--- a/Seminar.pptx
+++ b/Seminar.pptx
@@ -42,6 +42,10 @@
     <p:sldId id="287" r:id="rId39"/>
     <p:sldId id="288" r:id="rId40"/>
     <p:sldId id="289" r:id="rId41"/>
+    <p:sldId id="290" r:id="rId42"/>
+    <p:sldId id="291" r:id="rId43"/>
+    <p:sldId id="292" r:id="rId44"/>
+    <p:sldId id="293" r:id="rId45"/>
   </p:sldIdLst>
   <p:sldSz cx="13004800" cy="9753600"/>
   <p:notesSz cx="6858000" cy="9144000"/>
@@ -6959,7 +6963,7 @@
           <a:p>
             <a:pPr/>
             <a:r>
-              <a:t>Getting Started in</a:t>
+              <a:t>Getting Started in Python </a:t>
             </a:r>
           </a:p>
         </p:txBody>
@@ -6990,40 +6994,19 @@
           <a:chExt cx="0" cy="0"/>
         </a:xfrm>
       </p:grpSpPr>
-      <p:pic>
-        <p:nvPicPr>
-          <p:cNvPr id="247" name="pasted-image.jpeg"/>
-          <p:cNvPicPr>
-            <a:picLocks noChangeAspect="1"/>
-          </p:cNvPicPr>
-          <p:nvPr>
-            <p:ph type="pic" idx="13"/>
-          </p:nvPr>
-        </p:nvPicPr>
-        <p:blipFill>
-          <a:blip r:embed="rId2">
-            <a:extLst/>
-          </a:blip>
-          <a:srcRect l="39123" t="0" r="39123" b="0"/>
-          <a:stretch>
-            <a:fillRect/>
-          </a:stretch>
-        </p:blipFill>
-        <p:spPr>
-          <a:prstGeom prst="rect">
-            <a:avLst/>
-          </a:prstGeom>
-        </p:spPr>
-      </p:pic>
-      <p:sp>
-        <p:nvSpPr>
-          <p:cNvPr id="248" name="Shape 248"/>
+      <p:sp>
+        <p:nvSpPr>
+          <p:cNvPr id="249" name="Shape 249"/>
           <p:cNvSpPr/>
           <p:nvPr>
             <p:ph type="title"/>
           </p:nvPr>
         </p:nvSpPr>
         <p:spPr>
+          <a:xfrm>
+            <a:off x="406400" y="1536700"/>
+            <a:ext cx="12192000" cy="1169261"/>
+          </a:xfrm>
           <a:prstGeom prst="rect">
             <a:avLst/>
           </a:prstGeom>
@@ -7031,42 +7014,85 @@
         <p:txBody>
           <a:bodyPr/>
           <a:lstStyle>
-            <a:lvl1pPr>
-              <a:defRPr sz="9600"/>
+            <a:lvl1pPr defTabSz="403097">
+              <a:spcBef>
+                <a:spcPts val="1900"/>
+              </a:spcBef>
+              <a:defRPr sz="8200"/>
             </a:lvl1pPr>
           </a:lstStyle>
           <a:p>
             <a:pPr/>
             <a:r>
-              <a:t>Data Science</a:t>
-            </a:r>
-          </a:p>
-        </p:txBody>
-      </p:sp>
-      <p:sp>
-        <p:nvSpPr>
-          <p:cNvPr id="249" name="Shape 249"/>
-          <p:cNvSpPr/>
-          <p:nvPr>
-            <p:ph type="body" sz="quarter" idx="1"/>
-          </p:nvPr>
-        </p:nvSpPr>
-        <p:spPr>
-          <a:prstGeom prst="rect">
-            <a:avLst/>
-          </a:prstGeom>
-        </p:spPr>
-        <p:txBody>
-          <a:bodyPr/>
-          <a:lstStyle>
-            <a:lvl1pPr>
-              <a:defRPr sz="5300"/>
-            </a:lvl1pPr>
-          </a:lstStyle>
-          <a:p>
-            <a:pPr/>
-            <a:r>
-              <a:t>Growth of</a:t>
+              <a:t>Open Source</a:t>
+            </a:r>
+          </a:p>
+        </p:txBody>
+      </p:sp>
+      <p:sp>
+        <p:nvSpPr>
+          <p:cNvPr id="250" name="Shape 250"/>
+          <p:cNvSpPr/>
+          <p:nvPr>
+            <p:ph type="body" sz="half" idx="1"/>
+          </p:nvPr>
+        </p:nvSpPr>
+        <p:spPr>
+          <a:xfrm>
+            <a:off x="406400" y="4538100"/>
+            <a:ext cx="12192000" cy="2531601"/>
+          </a:xfrm>
+          <a:prstGeom prst="rect">
+            <a:avLst/>
+          </a:prstGeom>
+        </p:spPr>
+        <p:txBody>
+          <a:bodyPr anchor="t"/>
+          <a:lstStyle/>
+          <a:p>
+            <a:pPr marL="550656" indent="-550656" defTabSz="455674">
+              <a:lnSpc>
+                <a:spcPct val="100000"/>
+              </a:lnSpc>
+              <a:spcBef>
+                <a:spcPts val="2100"/>
+              </a:spcBef>
+              <a:buSzPct val="40000"/>
+              <a:buBlip>
+                <a:blip r:embed="rId2"/>
+              </a:buBlip>
+              <a:defRPr cap="none" spc="0" sz="4900">
+                <a:latin typeface="Avenir Next Medium"/>
+                <a:ea typeface="Avenir Next Medium"/>
+                <a:cs typeface="Avenir Next Medium"/>
+                <a:sym typeface="Avenir Next Medium"/>
+              </a:defRPr>
+            </a:pPr>
+            <a:r>
+              <a:t>Contributors all over the world</a:t>
+            </a:r>
+          </a:p>
+          <a:p>
+            <a:pPr marL="550656" indent="-550656" defTabSz="455674">
+              <a:lnSpc>
+                <a:spcPct val="100000"/>
+              </a:lnSpc>
+              <a:spcBef>
+                <a:spcPts val="2100"/>
+              </a:spcBef>
+              <a:buSzPct val="40000"/>
+              <a:buBlip>
+                <a:blip r:embed="rId2"/>
+              </a:buBlip>
+              <a:defRPr cap="none" spc="0" sz="4900">
+                <a:latin typeface="Avenir Next Medium"/>
+                <a:ea typeface="Avenir Next Medium"/>
+                <a:cs typeface="Avenir Next Medium"/>
+                <a:sym typeface="Avenir Next Medium"/>
+              </a:defRPr>
+            </a:pPr>
+            <a:r>
+              <a:t>Now faster than proprietary software!</a:t>
             </a:r>
           </a:p>
         </p:txBody>
@@ -7097,53 +7123,9 @@
           <a:chExt cx="0" cy="0"/>
         </a:xfrm>
       </p:grpSpPr>
-      <p:sp>
-        <p:nvSpPr>
-          <p:cNvPr id="251" name="Shape 251"/>
-          <p:cNvSpPr/>
-          <p:nvPr>
-            <p:ph type="ctrTitle"/>
-          </p:nvPr>
-        </p:nvSpPr>
-        <p:spPr>
-          <a:prstGeom prst="rect">
-            <a:avLst/>
-          </a:prstGeom>
-        </p:spPr>
-        <p:txBody>
-          <a:bodyPr/>
-          <a:lstStyle/>
-          <a:p>
-            <a:pPr defTabSz="455675">
-              <a:defRPr sz="13259"/>
-            </a:pPr>
-          </a:p>
-        </p:txBody>
-      </p:sp>
-      <p:sp>
-        <p:nvSpPr>
-          <p:cNvPr id="252" name="Shape 252"/>
-          <p:cNvSpPr/>
-          <p:nvPr>
-            <p:ph type="subTitle" sz="quarter" idx="1"/>
-          </p:nvPr>
-        </p:nvSpPr>
-        <p:spPr>
-          <a:prstGeom prst="rect">
-            <a:avLst/>
-          </a:prstGeom>
-        </p:spPr>
-        <p:txBody>
-          <a:bodyPr/>
-          <a:lstStyle/>
-          <a:p>
-            <a:pPr/>
-          </a:p>
-        </p:txBody>
-      </p:sp>
       <p:pic>
         <p:nvPicPr>
-          <p:cNvPr id="253" name="pasted-image.png"/>
+          <p:cNvPr id="252" name="pasted-image.jpeg"/>
           <p:cNvPicPr>
             <a:picLocks noChangeAspect="1"/>
           </p:cNvPicPr>
@@ -7159,8 +7141,8 @@
         </p:blipFill>
         <p:spPr>
           <a:xfrm>
-            <a:off x="0" y="-1625600"/>
-            <a:ext cx="13004800" cy="13004800"/>
+            <a:off x="31023" y="14378"/>
+            <a:ext cx="12942754" cy="9724844"/>
           </a:xfrm>
           <a:prstGeom prst="rect">
             <a:avLst/>
@@ -7198,7 +7180,7 @@
       </p:grpSpPr>
       <p:sp>
         <p:nvSpPr>
-          <p:cNvPr id="255" name="Shape 255"/>
+          <p:cNvPr id="254" name="Shape 254"/>
           <p:cNvSpPr/>
           <p:nvPr>
             <p:ph type="title"/>
@@ -7206,8 +7188,8 @@
         </p:nvSpPr>
         <p:spPr>
           <a:xfrm>
-            <a:off x="406400" y="2819399"/>
-            <a:ext cx="12192001" cy="4521201"/>
+            <a:off x="406400" y="1536700"/>
+            <a:ext cx="12192000" cy="1169261"/>
           </a:xfrm>
           <a:prstGeom prst="rect">
             <a:avLst/>
@@ -7216,12 +7198,131 @@
         <p:txBody>
           <a:bodyPr/>
           <a:lstStyle>
-            <a:lvl1pPr algn="ctr"/>
+            <a:lvl1pPr defTabSz="403097">
+              <a:spcBef>
+                <a:spcPts val="1900"/>
+              </a:spcBef>
+              <a:defRPr sz="8200"/>
+            </a:lvl1pPr>
           </a:lstStyle>
           <a:p>
             <a:pPr/>
             <a:r>
-              <a:t>JupYter NotebookS</a:t>
+              <a:t>Cross-pollination</a:t>
+            </a:r>
+          </a:p>
+        </p:txBody>
+      </p:sp>
+      <p:sp>
+        <p:nvSpPr>
+          <p:cNvPr id="255" name="Shape 255"/>
+          <p:cNvSpPr/>
+          <p:nvPr>
+            <p:ph type="body" idx="1"/>
+          </p:nvPr>
+        </p:nvSpPr>
+        <p:spPr>
+          <a:xfrm>
+            <a:off x="541866" y="3626003"/>
+            <a:ext cx="12192001" cy="5843457"/>
+          </a:xfrm>
+          <a:prstGeom prst="rect">
+            <a:avLst/>
+          </a:prstGeom>
+        </p:spPr>
+        <p:txBody>
+          <a:bodyPr anchor="t"/>
+          <a:lstStyle/>
+          <a:p>
+            <a:pPr marL="550656" indent="-550656" defTabSz="455674">
+              <a:lnSpc>
+                <a:spcPct val="100000"/>
+              </a:lnSpc>
+              <a:spcBef>
+                <a:spcPts val="2100"/>
+              </a:spcBef>
+              <a:buSzPct val="40000"/>
+              <a:buBlip>
+                <a:blip r:embed="rId2"/>
+              </a:buBlip>
+              <a:defRPr cap="none" spc="0" sz="4900">
+                <a:latin typeface="Avenir Next Medium"/>
+                <a:ea typeface="Avenir Next Medium"/>
+                <a:cs typeface="Avenir Next Medium"/>
+                <a:sym typeface="Avenir Next Medium"/>
+              </a:defRPr>
+            </a:pPr>
+            <a:r>
+              <a:t>Web development</a:t>
+            </a:r>
+          </a:p>
+          <a:p>
+            <a:pPr marL="550656" indent="-550656" defTabSz="455674">
+              <a:lnSpc>
+                <a:spcPct val="100000"/>
+              </a:lnSpc>
+              <a:spcBef>
+                <a:spcPts val="2100"/>
+              </a:spcBef>
+              <a:buSzPct val="40000"/>
+              <a:buBlip>
+                <a:blip r:embed="rId2"/>
+              </a:buBlip>
+              <a:defRPr cap="none" spc="0" sz="4900">
+                <a:latin typeface="Avenir Next Medium"/>
+                <a:ea typeface="Avenir Next Medium"/>
+                <a:cs typeface="Avenir Next Medium"/>
+                <a:sym typeface="Avenir Next Medium"/>
+              </a:defRPr>
+            </a:pPr>
+            <a:r>
+              <a:t>Data science</a:t>
+            </a:r>
+          </a:p>
+          <a:p>
+            <a:pPr marL="550656" indent="-550656" defTabSz="455674">
+              <a:lnSpc>
+                <a:spcPct val="100000"/>
+              </a:lnSpc>
+              <a:spcBef>
+                <a:spcPts val="2100"/>
+              </a:spcBef>
+              <a:buSzPct val="40000"/>
+              <a:buBlip>
+                <a:blip r:embed="rId2"/>
+              </a:buBlip>
+              <a:defRPr cap="none" spc="0" sz="4900">
+                <a:latin typeface="Avenir Next Medium"/>
+                <a:ea typeface="Avenir Next Medium"/>
+                <a:cs typeface="Avenir Next Medium"/>
+                <a:sym typeface="Avenir Next Medium"/>
+              </a:defRPr>
+            </a:pPr>
+            <a:r>
+              <a:t>Automation</a:t>
+            </a:r>
+          </a:p>
+          <a:p>
+            <a:pPr marL="550656" indent="-550656" defTabSz="455674">
+              <a:lnSpc>
+                <a:spcPct val="100000"/>
+              </a:lnSpc>
+              <a:spcBef>
+                <a:spcPts val="2100"/>
+              </a:spcBef>
+              <a:buSzPct val="40000"/>
+              <a:buBlip>
+                <a:blip r:embed="rId2"/>
+              </a:buBlip>
+              <a:defRPr cap="none" spc="0" sz="4900">
+                <a:latin typeface="Avenir Next Medium"/>
+                <a:ea typeface="Avenir Next Medium"/>
+                <a:cs typeface="Avenir Next Medium"/>
+                <a:sym typeface="Avenir Next Medium"/>
+              </a:defRPr>
+            </a:pPr>
+            <a:r>
+              <a:t>Information Security</a:t>
             </a:r>
           </a:p>
         </p:txBody>
@@ -7252,19 +7353,40 @@
           <a:chExt cx="0" cy="0"/>
         </a:xfrm>
       </p:grpSpPr>
-      <p:sp>
-        <p:nvSpPr>
-          <p:cNvPr id="257" name="Shape 257"/>
+      <p:pic>
+        <p:nvPicPr>
+          <p:cNvPr id="257" name="pasted-image.jpeg"/>
+          <p:cNvPicPr>
+            <a:picLocks noChangeAspect="1"/>
+          </p:cNvPicPr>
+          <p:nvPr>
+            <p:ph type="pic" idx="13"/>
+          </p:nvPr>
+        </p:nvPicPr>
+        <p:blipFill>
+          <a:blip r:embed="rId2">
+            <a:extLst/>
+          </a:blip>
+          <a:srcRect l="39123" t="0" r="39123" b="0"/>
+          <a:stretch>
+            <a:fillRect/>
+          </a:stretch>
+        </p:blipFill>
+        <p:spPr>
+          <a:prstGeom prst="rect">
+            <a:avLst/>
+          </a:prstGeom>
+        </p:spPr>
+      </p:pic>
+      <p:sp>
+        <p:nvSpPr>
+          <p:cNvPr id="258" name="Shape 258"/>
           <p:cNvSpPr/>
           <p:nvPr>
             <p:ph type="title"/>
           </p:nvPr>
         </p:nvSpPr>
         <p:spPr>
-          <a:xfrm>
-            <a:off x="406400" y="1536700"/>
-            <a:ext cx="12192000" cy="1169261"/>
-          </a:xfrm>
           <a:prstGeom prst="rect">
             <a:avLst/>
           </a:prstGeom>
@@ -7272,85 +7394,42 @@
         <p:txBody>
           <a:bodyPr/>
           <a:lstStyle>
-            <a:lvl1pPr defTabSz="403097">
-              <a:spcBef>
-                <a:spcPts val="1900"/>
-              </a:spcBef>
-              <a:defRPr sz="8200"/>
+            <a:lvl1pPr>
+              <a:defRPr sz="9600"/>
             </a:lvl1pPr>
           </a:lstStyle>
           <a:p>
             <a:pPr/>
             <a:r>
-              <a:t>Jupyter Notebook</a:t>
-            </a:r>
-          </a:p>
-        </p:txBody>
-      </p:sp>
-      <p:sp>
-        <p:nvSpPr>
-          <p:cNvPr id="258" name="Shape 258"/>
-          <p:cNvSpPr/>
-          <p:nvPr>
-            <p:ph type="body" sz="half" idx="1"/>
-          </p:nvPr>
-        </p:nvSpPr>
-        <p:spPr>
-          <a:xfrm>
-            <a:off x="406400" y="4538100"/>
-            <a:ext cx="12192000" cy="2531601"/>
-          </a:xfrm>
-          <a:prstGeom prst="rect">
-            <a:avLst/>
-          </a:prstGeom>
-        </p:spPr>
-        <p:txBody>
-          <a:bodyPr anchor="t"/>
-          <a:lstStyle/>
-          <a:p>
-            <a:pPr marL="539643" indent="-539643" defTabSz="446561">
-              <a:lnSpc>
-                <a:spcPct val="100000"/>
-              </a:lnSpc>
-              <a:spcBef>
-                <a:spcPts val="2000"/>
-              </a:spcBef>
-              <a:buSzPct val="40000"/>
-              <a:buBlip>
-                <a:blip r:embed="rId2"/>
-              </a:buBlip>
-              <a:defRPr cap="none" spc="0" sz="4802">
-                <a:latin typeface="Avenir Next Medium"/>
-                <a:ea typeface="Avenir Next Medium"/>
-                <a:cs typeface="Avenir Next Medium"/>
-                <a:sym typeface="Avenir Next Medium"/>
-              </a:defRPr>
-            </a:pPr>
-            <a:r>
-              <a:t>Name comes from Julia/Python/R</a:t>
-            </a:r>
-          </a:p>
-          <a:p>
-            <a:pPr marL="539643" indent="-539643" defTabSz="446561">
-              <a:lnSpc>
-                <a:spcPct val="100000"/>
-              </a:lnSpc>
-              <a:spcBef>
-                <a:spcPts val="2000"/>
-              </a:spcBef>
-              <a:buSzPct val="40000"/>
-              <a:buBlip>
-                <a:blip r:embed="rId2"/>
-              </a:buBlip>
-              <a:defRPr cap="none" spc="0" sz="4802">
-                <a:latin typeface="Avenir Next Medium"/>
-                <a:ea typeface="Avenir Next Medium"/>
-                <a:cs typeface="Avenir Next Medium"/>
-                <a:sym typeface="Avenir Next Medium"/>
-              </a:defRPr>
-            </a:pPr>
-            <a:r>
-              <a:t>Standard format for sharing data analysis</a:t>
+              <a:t>Data Science</a:t>
+            </a:r>
+          </a:p>
+        </p:txBody>
+      </p:sp>
+      <p:sp>
+        <p:nvSpPr>
+          <p:cNvPr id="259" name="Shape 259"/>
+          <p:cNvSpPr/>
+          <p:nvPr>
+            <p:ph type="body" sz="quarter" idx="1"/>
+          </p:nvPr>
+        </p:nvSpPr>
+        <p:spPr>
+          <a:prstGeom prst="rect">
+            <a:avLst/>
+          </a:prstGeom>
+        </p:spPr>
+        <p:txBody>
+          <a:bodyPr/>
+          <a:lstStyle>
+            <a:lvl1pPr>
+              <a:defRPr sz="5300"/>
+            </a:lvl1pPr>
+          </a:lstStyle>
+          <a:p>
+            <a:pPr/>
+            <a:r>
+              <a:t>Growth of</a:t>
             </a:r>
           </a:p>
         </p:txBody>
@@ -7381,9 +7460,51 @@
           <a:chExt cx="0" cy="0"/>
         </a:xfrm>
       </p:grpSpPr>
+      <p:sp>
+        <p:nvSpPr>
+          <p:cNvPr id="261" name="Shape 261"/>
+          <p:cNvSpPr/>
+          <p:nvPr>
+            <p:ph type="title"/>
+          </p:nvPr>
+        </p:nvSpPr>
+        <p:spPr>
+          <a:prstGeom prst="rect">
+            <a:avLst/>
+          </a:prstGeom>
+        </p:spPr>
+        <p:txBody>
+          <a:bodyPr/>
+          <a:lstStyle/>
+          <a:p>
+            <a:pPr/>
+          </a:p>
+        </p:txBody>
+      </p:sp>
+      <p:sp>
+        <p:nvSpPr>
+          <p:cNvPr id="262" name="Shape 262"/>
+          <p:cNvSpPr/>
+          <p:nvPr>
+            <p:ph type="body" idx="1"/>
+          </p:nvPr>
+        </p:nvSpPr>
+        <p:spPr>
+          <a:prstGeom prst="rect">
+            <a:avLst/>
+          </a:prstGeom>
+        </p:spPr>
+        <p:txBody>
+          <a:bodyPr/>
+          <a:lstStyle/>
+          <a:p>
+            <a:pPr/>
+          </a:p>
+        </p:txBody>
+      </p:sp>
       <p:pic>
         <p:nvPicPr>
-          <p:cNvPr id="260" name="Jupyter-notebook-for-python-26.jpeg"/>
+          <p:cNvPr id="263" name="pasted-image.png"/>
           <p:cNvPicPr>
             <a:picLocks noChangeAspect="1"/>
           </p:cNvPicPr>
@@ -7399,37 +7520,8 @@
         </p:blipFill>
         <p:spPr>
           <a:xfrm>
-            <a:off x="3492" y="373481"/>
-            <a:ext cx="12997816" cy="9006638"/>
-          </a:xfrm>
-          <a:prstGeom prst="rect">
-            <a:avLst/>
-          </a:prstGeom>
-          <a:ln w="12700">
-            <a:miter lim="400000"/>
-          </a:ln>
-        </p:spPr>
-      </p:pic>
-      <p:pic>
-        <p:nvPicPr>
-          <p:cNvPr id="261" name="pasted-image.png"/>
-          <p:cNvPicPr>
-            <a:picLocks noChangeAspect="1"/>
-          </p:cNvPicPr>
-          <p:nvPr/>
-        </p:nvPicPr>
-        <p:blipFill>
-          <a:blip r:embed="rId3">
-            <a:extLst/>
-          </a:blip>
-          <a:stretch>
-            <a:fillRect/>
-          </a:stretch>
-        </p:blipFill>
-        <p:spPr>
-          <a:xfrm>
-            <a:off x="-1" y="378489"/>
-            <a:ext cx="13004801" cy="8996622"/>
+            <a:off x="871307" y="-1265309"/>
+            <a:ext cx="11323525" cy="11323525"/>
           </a:xfrm>
           <a:prstGeom prst="rect">
             <a:avLst/>
@@ -7467,7 +7559,7 @@
       </p:grpSpPr>
       <p:sp>
         <p:nvSpPr>
-          <p:cNvPr id="263" name="Shape 263"/>
+          <p:cNvPr id="265" name="Shape 265"/>
           <p:cNvSpPr/>
           <p:nvPr>
             <p:ph type="title"/>
@@ -7475,8 +7567,8 @@
         </p:nvSpPr>
         <p:spPr>
           <a:xfrm>
-            <a:off x="406400" y="3920066"/>
-            <a:ext cx="12192000" cy="4521201"/>
+            <a:off x="1028968" y="3347504"/>
+            <a:ext cx="10946863" cy="3058592"/>
           </a:xfrm>
           <a:prstGeom prst="rect">
             <a:avLst/>
@@ -7484,13 +7576,26 @@
         </p:spPr>
         <p:txBody>
           <a:bodyPr/>
-          <a:lstStyle>
-            <a:lvl1pPr algn="ctr"/>
-          </a:lstStyle>
-          <a:p>
-            <a:pPr/>
-            <a:r>
-              <a:t>Pandas</a:t>
+          <a:lstStyle/>
+          <a:p>
+            <a:pPr algn="r" defTabSz="303783">
+              <a:defRPr sz="11439"/>
+            </a:pPr>
+            <a:r>
+              <a:rPr>
+                <a:solidFill>
+                  <a:srgbClr val="FFFFFF"/>
+                </a:solidFill>
+              </a:rPr>
+              <a:t>Python’s data Science </a:t>
+            </a:r>
+            <a:r>
+              <a:rPr>
+                <a:solidFill>
+                  <a:schemeClr val="accent5"/>
+                </a:solidFill>
+              </a:rPr>
+              <a:t>Toolset</a:t>
             </a:r>
           </a:p>
         </p:txBody>
@@ -7523,7 +7628,7 @@
       </p:grpSpPr>
       <p:sp>
         <p:nvSpPr>
-          <p:cNvPr id="265" name="Shape 265"/>
+          <p:cNvPr id="267" name="Shape 267"/>
           <p:cNvSpPr/>
           <p:nvPr>
             <p:ph type="title"/>
@@ -7531,8 +7636,8 @@
         </p:nvSpPr>
         <p:spPr>
           <a:xfrm>
-            <a:off x="406400" y="1536700"/>
-            <a:ext cx="12192000" cy="1169260"/>
+            <a:off x="406400" y="2819400"/>
+            <a:ext cx="12192000" cy="4521200"/>
           </a:xfrm>
           <a:prstGeom prst="rect">
             <a:avLst/>
@@ -7541,81 +7646,12 @@
         <p:txBody>
           <a:bodyPr/>
           <a:lstStyle>
-            <a:lvl1pPr defTabSz="403097">
-              <a:spcBef>
-                <a:spcPts val="1900"/>
-              </a:spcBef>
-              <a:defRPr sz="8280"/>
-            </a:lvl1pPr>
+            <a:lvl1pPr algn="ctr"/>
           </a:lstStyle>
           <a:p>
             <a:pPr/>
             <a:r>
-              <a:t>Pandas</a:t>
-            </a:r>
-          </a:p>
-        </p:txBody>
-      </p:sp>
-      <p:sp>
-        <p:nvSpPr>
-          <p:cNvPr id="266" name="Shape 266"/>
-          <p:cNvSpPr/>
-          <p:nvPr>
-            <p:ph type="body" idx="1"/>
-          </p:nvPr>
-        </p:nvSpPr>
-        <p:spPr>
-          <a:xfrm>
-            <a:off x="406400" y="3547499"/>
-            <a:ext cx="12192000" cy="4975990"/>
-          </a:xfrm>
-          <a:prstGeom prst="rect">
-            <a:avLst/>
-          </a:prstGeom>
-        </p:spPr>
-        <p:txBody>
-          <a:bodyPr/>
-          <a:lstStyle/>
-          <a:p>
-            <a:pPr marL="705970" indent="-705970">
-              <a:buClrTx/>
-              <a:buSzPct val="40000"/>
-              <a:buFontTx/>
-              <a:buBlip>
-                <a:blip r:embed="rId2"/>
-              </a:buBlip>
-              <a:defRPr sz="6400"/>
-            </a:pPr>
-            <a:r>
-              <a:t>Short for “panel data”</a:t>
-            </a:r>
-          </a:p>
-          <a:p>
-            <a:pPr marL="705970" indent="-705970">
-              <a:buClrTx/>
-              <a:buSzPct val="40000"/>
-              <a:buFontTx/>
-              <a:buBlip>
-                <a:blip r:embed="rId2"/>
-              </a:buBlip>
-              <a:defRPr sz="6400"/>
-            </a:pPr>
-            <a:r>
-              <a:t>Similar to spreadsheet</a:t>
-            </a:r>
-          </a:p>
-          <a:p>
-            <a:pPr marL="705970" indent="-705970">
-              <a:buClrTx/>
-              <a:buSzPct val="40000"/>
-              <a:buFontTx/>
-              <a:buBlip>
-                <a:blip r:embed="rId2"/>
-              </a:buBlip>
-              <a:defRPr sz="6400"/>
-            </a:pPr>
-            <a:r>
-              <a:t>DataFrame concept from R</a:t>
+              <a:t>JupYter NotebookS</a:t>
             </a:r>
           </a:p>
         </p:txBody>
@@ -7648,104 +7684,107 @@
       </p:grpSpPr>
       <p:sp>
         <p:nvSpPr>
-          <p:cNvPr id="268" name="Shape 268"/>
-          <p:cNvSpPr/>
-          <p:nvPr>
-            <p:ph type="body" idx="13"/>
-          </p:nvPr>
-        </p:nvSpPr>
-        <p:spPr>
+          <p:cNvPr id="269" name="Shape 269"/>
+          <p:cNvSpPr/>
+          <p:nvPr>
+            <p:ph type="title"/>
+          </p:nvPr>
+        </p:nvSpPr>
+        <p:spPr>
+          <a:xfrm>
+            <a:off x="406400" y="1536700"/>
+            <a:ext cx="12192000" cy="1169261"/>
+          </a:xfrm>
           <a:prstGeom prst="rect">
             <a:avLst/>
           </a:prstGeom>
         </p:spPr>
         <p:txBody>
           <a:bodyPr/>
+          <a:lstStyle>
+            <a:lvl1pPr defTabSz="403097">
+              <a:spcBef>
+                <a:spcPts val="1900"/>
+              </a:spcBef>
+              <a:defRPr sz="8200"/>
+            </a:lvl1pPr>
+          </a:lstStyle>
+          <a:p>
+            <a:pPr/>
+            <a:r>
+              <a:t>Jupyter Notebook</a:t>
+            </a:r>
+          </a:p>
+        </p:txBody>
+      </p:sp>
+      <p:sp>
+        <p:nvSpPr>
+          <p:cNvPr id="270" name="Shape 270"/>
+          <p:cNvSpPr/>
+          <p:nvPr>
+            <p:ph type="body" sz="half" idx="1"/>
+          </p:nvPr>
+        </p:nvSpPr>
+        <p:spPr>
+          <a:xfrm>
+            <a:off x="406400" y="4538100"/>
+            <a:ext cx="12192000" cy="2531601"/>
+          </a:xfrm>
+          <a:prstGeom prst="rect">
+            <a:avLst/>
+          </a:prstGeom>
+        </p:spPr>
+        <p:txBody>
+          <a:bodyPr anchor="t"/>
           <a:lstStyle/>
           <a:p>
-            <a:pPr/>
-            <a:r>
-              <a:t>Text</a:t>
-            </a:r>
-          </a:p>
-        </p:txBody>
-      </p:sp>
-      <p:sp>
-        <p:nvSpPr>
-          <p:cNvPr id="269" name="Shape 269"/>
-          <p:cNvSpPr/>
-          <p:nvPr>
-            <p:ph type="title"/>
-          </p:nvPr>
-        </p:nvSpPr>
-        <p:spPr>
-          <a:prstGeom prst="rect">
-            <a:avLst/>
-          </a:prstGeom>
-        </p:spPr>
-        <p:txBody>
-          <a:bodyPr/>
-          <a:lstStyle/>
-          <a:p>
-            <a:pPr defTabSz="467359">
+            <a:pPr marL="539643" indent="-539643" defTabSz="446561">
+              <a:lnSpc>
+                <a:spcPct val="100000"/>
+              </a:lnSpc>
               <a:spcBef>
-                <a:spcPts val="2200"/>
+                <a:spcPts val="2000"/>
               </a:spcBef>
-              <a:defRPr sz="4800"/>
+              <a:buSzPct val="40000"/>
+              <a:buBlip>
+                <a:blip r:embed="rId2"/>
+              </a:buBlip>
+              <a:defRPr cap="none" spc="0" sz="4802">
+                <a:latin typeface="Avenir Next Medium"/>
+                <a:ea typeface="Avenir Next Medium"/>
+                <a:cs typeface="Avenir Next Medium"/>
+                <a:sym typeface="Avenir Next Medium"/>
+              </a:defRPr>
             </a:pPr>
-          </a:p>
-        </p:txBody>
-      </p:sp>
-      <p:sp>
-        <p:nvSpPr>
-          <p:cNvPr id="270" name="Shape 270"/>
-          <p:cNvSpPr/>
-          <p:nvPr>
-            <p:ph type="body" idx="1"/>
-          </p:nvPr>
-        </p:nvSpPr>
-        <p:spPr>
-          <a:prstGeom prst="rect">
-            <a:avLst/>
-          </a:prstGeom>
-        </p:spPr>
-        <p:txBody>
-          <a:bodyPr/>
-          <a:lstStyle/>
-          <a:p>
-            <a:pPr/>
-          </a:p>
-        </p:txBody>
-      </p:sp>
-      <p:pic>
-        <p:nvPicPr>
-          <p:cNvPr id="271" name="pasted-image.png"/>
-          <p:cNvPicPr>
-            <a:picLocks noChangeAspect="1"/>
-          </p:cNvPicPr>
-          <p:nvPr/>
-        </p:nvPicPr>
-        <p:blipFill>
-          <a:blip r:embed="rId2">
-            <a:extLst/>
-          </a:blip>
-          <a:stretch>
-            <a:fillRect/>
-          </a:stretch>
-        </p:blipFill>
-        <p:spPr>
-          <a:xfrm>
-            <a:off x="-1661787" y="-1"/>
-            <a:ext cx="14859001" cy="9753601"/>
-          </a:xfrm>
-          <a:prstGeom prst="rect">
-            <a:avLst/>
-          </a:prstGeom>
-          <a:ln w="12700">
-            <a:miter lim="400000"/>
-          </a:ln>
-        </p:spPr>
-      </p:pic>
+            <a:r>
+              <a:t>Name comes from Julia/Python/R</a:t>
+            </a:r>
+          </a:p>
+          <a:p>
+            <a:pPr marL="539643" indent="-539643" defTabSz="446561">
+              <a:lnSpc>
+                <a:spcPct val="100000"/>
+              </a:lnSpc>
+              <a:spcBef>
+                <a:spcPts val="2000"/>
+              </a:spcBef>
+              <a:buSzPct val="40000"/>
+              <a:buBlip>
+                <a:blip r:embed="rId2"/>
+              </a:buBlip>
+              <a:defRPr cap="none" spc="0" sz="4802">
+                <a:latin typeface="Avenir Next Medium"/>
+                <a:ea typeface="Avenir Next Medium"/>
+                <a:cs typeface="Avenir Next Medium"/>
+                <a:sym typeface="Avenir Next Medium"/>
+              </a:defRPr>
+            </a:pPr>
+            <a:r>
+              <a:t>Standard format for sharing data analysis</a:t>
+            </a:r>
+          </a:p>
+        </p:txBody>
+      </p:sp>
     </p:spTree>
   </p:cSld>
   <p:clrMapOvr>
@@ -7772,105 +7811,64 @@
           <a:chExt cx="0" cy="0"/>
         </a:xfrm>
       </p:grpSpPr>
-      <p:sp>
-        <p:nvSpPr>
-          <p:cNvPr id="273" name="Shape 273"/>
-          <p:cNvSpPr/>
-          <p:nvPr>
-            <p:ph type="title"/>
-          </p:nvPr>
-        </p:nvSpPr>
+      <p:pic>
+        <p:nvPicPr>
+          <p:cNvPr id="272" name="Jupyter-notebook-for-python-26.jpeg"/>
+          <p:cNvPicPr>
+            <a:picLocks noChangeAspect="1"/>
+          </p:cNvPicPr>
+          <p:nvPr/>
+        </p:nvPicPr>
+        <p:blipFill>
+          <a:blip r:embed="rId2">
+            <a:extLst/>
+          </a:blip>
+          <a:stretch>
+            <a:fillRect/>
+          </a:stretch>
+        </p:blipFill>
         <p:spPr>
           <a:xfrm>
-            <a:off x="406400" y="1536700"/>
-            <a:ext cx="12192000" cy="1169260"/>
-          </a:xfrm>
-          <a:prstGeom prst="rect">
-            <a:avLst/>
-          </a:prstGeom>
-        </p:spPr>
-        <p:txBody>
-          <a:bodyPr/>
-          <a:lstStyle>
-            <a:lvl1pPr defTabSz="403097">
-              <a:spcBef>
-                <a:spcPts val="1900"/>
-              </a:spcBef>
-              <a:defRPr sz="8280"/>
-            </a:lvl1pPr>
-          </a:lstStyle>
-          <a:p>
-            <a:pPr/>
-            <a:r>
-              <a:t>Pandas</a:t>
-            </a:r>
-          </a:p>
-        </p:txBody>
-      </p:sp>
-      <p:sp>
-        <p:nvSpPr>
-          <p:cNvPr id="274" name="Shape 274"/>
-          <p:cNvSpPr/>
-          <p:nvPr>
-            <p:ph type="body" idx="1"/>
-          </p:nvPr>
-        </p:nvSpPr>
+            <a:off x="3492" y="373481"/>
+            <a:ext cx="12997816" cy="9006638"/>
+          </a:xfrm>
+          <a:prstGeom prst="rect">
+            <a:avLst/>
+          </a:prstGeom>
+          <a:ln w="12700">
+            <a:miter lim="400000"/>
+          </a:ln>
+        </p:spPr>
+      </p:pic>
+      <p:pic>
+        <p:nvPicPr>
+          <p:cNvPr id="273" name="pasted-image.png"/>
+          <p:cNvPicPr>
+            <a:picLocks noChangeAspect="1"/>
+          </p:cNvPicPr>
+          <p:nvPr/>
+        </p:nvPicPr>
+        <p:blipFill>
+          <a:blip r:embed="rId3">
+            <a:extLst/>
+          </a:blip>
+          <a:stretch>
+            <a:fillRect/>
+          </a:stretch>
+        </p:blipFill>
         <p:spPr>
           <a:xfrm>
-            <a:off x="406400" y="3547499"/>
-            <a:ext cx="12192000" cy="4975990"/>
-          </a:xfrm>
-          <a:prstGeom prst="rect">
-            <a:avLst/>
-          </a:prstGeom>
-        </p:spPr>
-        <p:txBody>
-          <a:bodyPr/>
-          <a:lstStyle/>
-          <a:p>
-            <a:pPr marL="705970" indent="-705970">
-              <a:buClrTx/>
-              <a:buSzPct val="40000"/>
-              <a:buFontTx/>
-              <a:buBlip>
-                <a:blip r:embed="rId2"/>
-              </a:buBlip>
-              <a:defRPr sz="6400"/>
-            </a:pPr>
-            <a:r>
-              <a:t>Handles (low) millions of rows</a:t>
-            </a:r>
-          </a:p>
-          <a:p>
-            <a:pPr marL="705970" indent="-705970">
-              <a:buClrTx/>
-              <a:buSzPct val="40000"/>
-              <a:buFontTx/>
-              <a:buBlip>
-                <a:blip r:embed="rId2"/>
-              </a:buBlip>
-              <a:defRPr sz="6400"/>
-            </a:pPr>
-            <a:r>
-              <a:t>Column-oriented workflow</a:t>
-            </a:r>
-          </a:p>
-          <a:p>
-            <a:pPr marL="705970" indent="-705970">
-              <a:buClrTx/>
-              <a:buSzPct val="40000"/>
-              <a:buFontTx/>
-              <a:buBlip>
-                <a:blip r:embed="rId2"/>
-              </a:buBlip>
-              <a:defRPr sz="6400"/>
-            </a:pPr>
-            <a:r>
-              <a:t>Huge community</a:t>
-            </a:r>
-          </a:p>
-        </p:txBody>
-      </p:sp>
+            <a:off x="-1" y="378489"/>
+            <a:ext cx="13004801" cy="8996622"/>
+          </a:xfrm>
+          <a:prstGeom prst="rect">
+            <a:avLst/>
+          </a:prstGeom>
+          <a:ln w="12700">
+            <a:miter lim="400000"/>
+          </a:ln>
+        </p:spPr>
+      </p:pic>
     </p:spTree>
   </p:cSld>
   <p:clrMapOvr>
@@ -7897,44 +7895,19 @@
           <a:chExt cx="0" cy="0"/>
         </a:xfrm>
       </p:grpSpPr>
-      <p:pic>
-        <p:nvPicPr>
-          <p:cNvPr id="276" name="pasted-image.jpeg"/>
-          <p:cNvPicPr>
-            <a:picLocks noChangeAspect="1"/>
-          </p:cNvPicPr>
-          <p:nvPr>
-            <p:ph type="pic" idx="13"/>
-          </p:nvPr>
-        </p:nvPicPr>
-        <p:blipFill>
-          <a:blip r:embed="rId2">
-            <a:extLst/>
-          </a:blip>
-          <a:srcRect l="30987" t="0" r="26529" b="0"/>
-          <a:stretch>
-            <a:fillRect/>
-          </a:stretch>
-        </p:blipFill>
+      <p:sp>
+        <p:nvSpPr>
+          <p:cNvPr id="275" name="Shape 275"/>
+          <p:cNvSpPr/>
+          <p:nvPr>
+            <p:ph type="title"/>
+          </p:nvPr>
+        </p:nvSpPr>
         <p:spPr>
           <a:xfrm>
-            <a:off x="0" y="1244707"/>
-            <a:ext cx="5486401" cy="7264186"/>
-          </a:xfrm>
-          <a:prstGeom prst="rect">
-            <a:avLst/>
-          </a:prstGeom>
-        </p:spPr>
-      </p:pic>
-      <p:sp>
-        <p:nvSpPr>
-          <p:cNvPr id="277" name="Shape 277"/>
-          <p:cNvSpPr/>
-          <p:nvPr>
-            <p:ph type="title"/>
-          </p:nvPr>
-        </p:nvSpPr>
-        <p:spPr>
+            <a:off x="406400" y="3920066"/>
+            <a:ext cx="12192000" cy="4521201"/>
+          </a:xfrm>
           <a:prstGeom prst="rect">
             <a:avLst/>
           </a:prstGeom>
@@ -7942,38 +7915,12 @@
         <p:txBody>
           <a:bodyPr/>
           <a:lstStyle>
-            <a:lvl1pPr defTabSz="385572">
-              <a:defRPr sz="11220"/>
-            </a:lvl1pPr>
+            <a:lvl1pPr algn="ctr"/>
           </a:lstStyle>
           <a:p>
             <a:pPr/>
             <a:r>
-              <a:t>Data Analysis </a:t>
-            </a:r>
-          </a:p>
-        </p:txBody>
-      </p:sp>
-      <p:sp>
-        <p:nvSpPr>
-          <p:cNvPr id="278" name="Shape 278"/>
-          <p:cNvSpPr/>
-          <p:nvPr>
-            <p:ph type="body" sz="quarter" idx="1"/>
-          </p:nvPr>
-        </p:nvSpPr>
-        <p:spPr>
-          <a:prstGeom prst="rect">
-            <a:avLst/>
-          </a:prstGeom>
-        </p:spPr>
-        <p:txBody>
-          <a:bodyPr/>
-          <a:lstStyle/>
-          <a:p>
-            <a:pPr/>
-            <a:r>
-              <a:t>exploration and </a:t>
+              <a:t>Pandas</a:t>
             </a:r>
           </a:p>
         </p:txBody>
@@ -8014,8 +7961,8 @@
         </p:nvSpPr>
         <p:spPr>
           <a:xfrm>
-            <a:off x="1604867" y="3633420"/>
-            <a:ext cx="9795066" cy="2486761"/>
+            <a:off x="1604867" y="3347504"/>
+            <a:ext cx="9795066" cy="3058592"/>
           </a:xfrm>
           <a:prstGeom prst="rect">
             <a:avLst/>
@@ -8025,9 +7972,24 @@
           <a:bodyPr/>
           <a:lstStyle/>
           <a:p>
-            <a:pPr/>
-            <a:r>
-              <a:t>Why Python?</a:t>
+            <a:pPr algn="r" defTabSz="303783">
+              <a:defRPr sz="11439"/>
+            </a:pPr>
+            <a:r>
+              <a:rPr>
+                <a:solidFill>
+                  <a:srgbClr val="FFFFFF"/>
+                </a:solidFill>
+              </a:rPr>
+              <a:t>What makes Python </a:t>
+            </a:r>
+            <a:r>
+              <a:rPr>
+                <a:solidFill>
+                  <a:schemeClr val="accent5"/>
+                </a:solidFill>
+              </a:rPr>
+              <a:t>different?</a:t>
             </a:r>
           </a:p>
         </p:txBody>
@@ -8058,40 +8020,19 @@
           <a:chExt cx="0" cy="0"/>
         </a:xfrm>
       </p:grpSpPr>
-      <p:pic>
-        <p:nvPicPr>
-          <p:cNvPr id="280" name="pasted-image.jpeg"/>
-          <p:cNvPicPr>
-            <a:picLocks noChangeAspect="1"/>
-          </p:cNvPicPr>
-          <p:nvPr>
-            <p:ph type="pic" idx="13"/>
-          </p:nvPr>
-        </p:nvPicPr>
-        <p:blipFill>
-          <a:blip r:embed="rId2">
-            <a:extLst/>
-          </a:blip>
-          <a:srcRect l="31235" t="0" r="31235" b="0"/>
-          <a:stretch>
-            <a:fillRect/>
-          </a:stretch>
-        </p:blipFill>
-        <p:spPr>
-          <a:prstGeom prst="rect">
-            <a:avLst/>
-          </a:prstGeom>
-        </p:spPr>
-      </p:pic>
-      <p:sp>
-        <p:nvSpPr>
-          <p:cNvPr id="281" name="Shape 281"/>
+      <p:sp>
+        <p:nvSpPr>
+          <p:cNvPr id="277" name="Shape 277"/>
           <p:cNvSpPr/>
           <p:nvPr>
             <p:ph type="title"/>
           </p:nvPr>
         </p:nvSpPr>
         <p:spPr>
+          <a:xfrm>
+            <a:off x="406400" y="1536700"/>
+            <a:ext cx="12192000" cy="1169260"/>
+          </a:xfrm>
           <a:prstGeom prst="rect">
             <a:avLst/>
           </a:prstGeom>
@@ -8099,27 +8040,34 @@
         <p:txBody>
           <a:bodyPr/>
           <a:lstStyle>
-            <a:lvl1pPr defTabSz="373887">
-              <a:defRPr sz="10880"/>
+            <a:lvl1pPr defTabSz="403097">
+              <a:spcBef>
+                <a:spcPts val="1900"/>
+              </a:spcBef>
+              <a:defRPr sz="8280"/>
             </a:lvl1pPr>
           </a:lstStyle>
           <a:p>
             <a:pPr/>
             <a:r>
-              <a:t>Cleaning Data</a:t>
-            </a:r>
-          </a:p>
-        </p:txBody>
-      </p:sp>
-      <p:sp>
-        <p:nvSpPr>
-          <p:cNvPr id="282" name="Shape 282"/>
-          <p:cNvSpPr/>
-          <p:nvPr>
-            <p:ph type="body" sz="quarter" idx="1"/>
-          </p:nvPr>
-        </p:nvSpPr>
-        <p:spPr>
+              <a:t>Pandas</a:t>
+            </a:r>
+          </a:p>
+        </p:txBody>
+      </p:sp>
+      <p:sp>
+        <p:nvSpPr>
+          <p:cNvPr id="278" name="Shape 278"/>
+          <p:cNvSpPr/>
+          <p:nvPr>
+            <p:ph type="body" idx="1"/>
+          </p:nvPr>
+        </p:nvSpPr>
+        <p:spPr>
+          <a:xfrm>
+            <a:off x="406400" y="3547499"/>
+            <a:ext cx="12192000" cy="4975990"/>
+          </a:xfrm>
           <a:prstGeom prst="rect">
             <a:avLst/>
           </a:prstGeom>
@@ -8128,7 +8076,46 @@
           <a:bodyPr/>
           <a:lstStyle/>
           <a:p>
-            <a:pPr/>
+            <a:pPr marL="705970" indent="-705970">
+              <a:buClrTx/>
+              <a:buSzPct val="40000"/>
+              <a:buFontTx/>
+              <a:buBlip>
+                <a:blip r:embed="rId2"/>
+              </a:buBlip>
+              <a:defRPr sz="6400"/>
+            </a:pPr>
+            <a:r>
+              <a:t>Short for “panel data”</a:t>
+            </a:r>
+          </a:p>
+          <a:p>
+            <a:pPr marL="705970" indent="-705970">
+              <a:buClrTx/>
+              <a:buSzPct val="40000"/>
+              <a:buFontTx/>
+              <a:buBlip>
+                <a:blip r:embed="rId2"/>
+              </a:buBlip>
+              <a:defRPr sz="6400"/>
+            </a:pPr>
+            <a:r>
+              <a:t>Similar to spreadsheet</a:t>
+            </a:r>
+          </a:p>
+          <a:p>
+            <a:pPr marL="705970" indent="-705970">
+              <a:buClrTx/>
+              <a:buSzPct val="40000"/>
+              <a:buFontTx/>
+              <a:buBlip>
+                <a:blip r:embed="rId2"/>
+              </a:buBlip>
+              <a:defRPr sz="6400"/>
+            </a:pPr>
+            <a:r>
+              <a:t>DataFrame concept from R</a:t>
+            </a:r>
           </a:p>
         </p:txBody>
       </p:sp>
@@ -8158,87 +8145,106 @@
           <a:chExt cx="0" cy="0"/>
         </a:xfrm>
       </p:grpSpPr>
+      <p:sp>
+        <p:nvSpPr>
+          <p:cNvPr id="280" name="Shape 280"/>
+          <p:cNvSpPr/>
+          <p:nvPr>
+            <p:ph type="body" idx="13"/>
+          </p:nvPr>
+        </p:nvSpPr>
+        <p:spPr>
+          <a:prstGeom prst="rect">
+            <a:avLst/>
+          </a:prstGeom>
+        </p:spPr>
+        <p:txBody>
+          <a:bodyPr/>
+          <a:lstStyle/>
+          <a:p>
+            <a:pPr/>
+            <a:r>
+              <a:t>Text</a:t>
+            </a:r>
+          </a:p>
+        </p:txBody>
+      </p:sp>
+      <p:sp>
+        <p:nvSpPr>
+          <p:cNvPr id="281" name="Shape 281"/>
+          <p:cNvSpPr/>
+          <p:nvPr>
+            <p:ph type="title"/>
+          </p:nvPr>
+        </p:nvSpPr>
+        <p:spPr>
+          <a:prstGeom prst="rect">
+            <a:avLst/>
+          </a:prstGeom>
+        </p:spPr>
+        <p:txBody>
+          <a:bodyPr/>
+          <a:lstStyle/>
+          <a:p>
+            <a:pPr defTabSz="467359">
+              <a:spcBef>
+                <a:spcPts val="2200"/>
+              </a:spcBef>
+              <a:defRPr sz="4800"/>
+            </a:pPr>
+          </a:p>
+        </p:txBody>
+      </p:sp>
+      <p:sp>
+        <p:nvSpPr>
+          <p:cNvPr id="282" name="Shape 282"/>
+          <p:cNvSpPr/>
+          <p:nvPr>
+            <p:ph type="body" idx="1"/>
+          </p:nvPr>
+        </p:nvSpPr>
+        <p:spPr>
+          <a:prstGeom prst="rect">
+            <a:avLst/>
+          </a:prstGeom>
+        </p:spPr>
+        <p:txBody>
+          <a:bodyPr/>
+          <a:lstStyle/>
+          <a:p>
+            <a:pPr/>
+          </a:p>
+        </p:txBody>
+      </p:sp>
       <p:pic>
         <p:nvPicPr>
-          <p:cNvPr id="284" name="pasted-image.jpeg"/>
+          <p:cNvPr id="283" name="pasted-image.png"/>
           <p:cNvPicPr>
             <a:picLocks noChangeAspect="1"/>
           </p:cNvPicPr>
-          <p:nvPr>
-            <p:ph type="pic" idx="13"/>
-          </p:nvPr>
+          <p:nvPr/>
         </p:nvPicPr>
         <p:blipFill>
           <a:blip r:embed="rId2">
             <a:extLst/>
           </a:blip>
-          <a:srcRect l="17708" t="0" r="44791" b="0"/>
           <a:stretch>
             <a:fillRect/>
           </a:stretch>
         </p:blipFill>
         <p:spPr>
           <a:xfrm>
-            <a:off x="-1" y="0"/>
-            <a:ext cx="5486401" cy="9753600"/>
-          </a:xfrm>
-          <a:prstGeom prst="rect">
-            <a:avLst/>
-          </a:prstGeom>
+            <a:off x="-1661787" y="-1"/>
+            <a:ext cx="14859001" cy="9753601"/>
+          </a:xfrm>
+          <a:prstGeom prst="rect">
+            <a:avLst/>
+          </a:prstGeom>
+          <a:ln w="12700">
+            <a:miter lim="400000"/>
+          </a:ln>
         </p:spPr>
       </p:pic>
-      <p:sp>
-        <p:nvSpPr>
-          <p:cNvPr id="285" name="Shape 285"/>
-          <p:cNvSpPr/>
-          <p:nvPr>
-            <p:ph type="title"/>
-          </p:nvPr>
-        </p:nvSpPr>
-        <p:spPr>
-          <a:prstGeom prst="rect">
-            <a:avLst/>
-          </a:prstGeom>
-        </p:spPr>
-        <p:txBody>
-          <a:bodyPr/>
-          <a:lstStyle>
-            <a:lvl1pPr defTabSz="350520">
-              <a:defRPr sz="10200"/>
-            </a:lvl1pPr>
-          </a:lstStyle>
-          <a:p>
-            <a:pPr/>
-            <a:r>
-              <a:t>we can be Fast</a:t>
-            </a:r>
-          </a:p>
-        </p:txBody>
-      </p:sp>
-      <p:sp>
-        <p:nvSpPr>
-          <p:cNvPr id="286" name="Shape 286"/>
-          <p:cNvSpPr/>
-          <p:nvPr>
-            <p:ph type="body" sz="quarter" idx="1"/>
-          </p:nvPr>
-        </p:nvSpPr>
-        <p:spPr>
-          <a:prstGeom prst="rect">
-            <a:avLst/>
-          </a:prstGeom>
-        </p:spPr>
-        <p:txBody>
-          <a:bodyPr/>
-          <a:lstStyle/>
-          <a:p>
-            <a:pPr/>
-            <a:r>
-              <a:t>When it matters </a:t>
-            </a:r>
-          </a:p>
-        </p:txBody>
-      </p:sp>
     </p:spTree>
   </p:cSld>
   <p:clrMapOvr>
@@ -8267,16 +8273,16 @@
       </p:grpSpPr>
       <p:sp>
         <p:nvSpPr>
-          <p:cNvPr id="288" name="Shape 288"/>
-          <p:cNvSpPr/>
-          <p:nvPr>
-            <p:ph type="body" idx="13"/>
+          <p:cNvPr id="285" name="Shape 285"/>
+          <p:cNvSpPr/>
+          <p:nvPr>
+            <p:ph type="title"/>
           </p:nvPr>
         </p:nvSpPr>
         <p:spPr>
           <a:xfrm>
-            <a:off x="6134100" y="1425689"/>
-            <a:ext cx="6705600" cy="5816601"/>
+            <a:off x="406400" y="1536700"/>
+            <a:ext cx="12192000" cy="1169260"/>
           </a:xfrm>
           <a:prstGeom prst="rect">
             <a:avLst/>
@@ -8285,59 +8291,33 @@
         <p:txBody>
           <a:bodyPr/>
           <a:lstStyle>
-            <a:lvl1pPr>
-              <a:defRPr cap="none" sz="9000"/>
+            <a:lvl1pPr defTabSz="403097">
+              <a:spcBef>
+                <a:spcPts val="1900"/>
+              </a:spcBef>
+              <a:defRPr sz="8280"/>
             </a:lvl1pPr>
           </a:lstStyle>
           <a:p>
             <a:pPr/>
             <a:r>
-              <a:t>Every problem in computer science can be solved by another layer of indirection</a:t>
-            </a:r>
-          </a:p>
-        </p:txBody>
-      </p:sp>
-      <p:pic>
-        <p:nvPicPr>
-          <p:cNvPr id="289" name="pasted-image.jpeg"/>
-          <p:cNvPicPr>
-            <a:picLocks noChangeAspect="1"/>
-          </p:cNvPicPr>
-          <p:nvPr>
-            <p:ph type="pic" idx="14"/>
-          </p:nvPr>
-        </p:nvPicPr>
-        <p:blipFill>
-          <a:blip r:embed="rId2">
-            <a:extLst/>
-          </a:blip>
-          <a:srcRect l="0" t="0" r="0" b="0"/>
-          <a:stretch>
-            <a:fillRect/>
-          </a:stretch>
-        </p:blipFill>
+              <a:t>Pandas</a:t>
+            </a:r>
+          </a:p>
+        </p:txBody>
+      </p:sp>
+      <p:sp>
+        <p:nvSpPr>
+          <p:cNvPr id="286" name="Shape 286"/>
+          <p:cNvSpPr/>
+          <p:nvPr>
+            <p:ph type="body" idx="1"/>
+          </p:nvPr>
+        </p:nvSpPr>
         <p:spPr>
           <a:xfrm>
-            <a:off x="330199" y="1460500"/>
-            <a:ext cx="5486401" cy="6858001"/>
-          </a:xfrm>
-          <a:prstGeom prst="rect">
-            <a:avLst/>
-          </a:prstGeom>
-        </p:spPr>
-      </p:pic>
-      <p:sp>
-        <p:nvSpPr>
-          <p:cNvPr id="290" name="Shape 290"/>
-          <p:cNvSpPr/>
-          <p:nvPr>
-            <p:ph type="body" idx="15"/>
-          </p:nvPr>
-        </p:nvSpPr>
-        <p:spPr>
-          <a:xfrm>
-            <a:off x="6134100" y="7409323"/>
-            <a:ext cx="6705600" cy="863604"/>
+            <a:off x="406400" y="3547499"/>
+            <a:ext cx="12192000" cy="4975990"/>
           </a:xfrm>
           <a:prstGeom prst="rect">
             <a:avLst/>
@@ -8347,9 +8327,45 @@
           <a:bodyPr/>
           <a:lstStyle/>
           <a:p>
-            <a:pPr/>
-            <a:r>
-              <a:t>- David Wheeler</a:t>
+            <a:pPr marL="705970" indent="-705970">
+              <a:buClrTx/>
+              <a:buSzPct val="40000"/>
+              <a:buFontTx/>
+              <a:buBlip>
+                <a:blip r:embed="rId2"/>
+              </a:buBlip>
+              <a:defRPr sz="6400"/>
+            </a:pPr>
+            <a:r>
+              <a:t>Handles (low) millions of rows</a:t>
+            </a:r>
+          </a:p>
+          <a:p>
+            <a:pPr marL="705970" indent="-705970">
+              <a:buClrTx/>
+              <a:buSzPct val="40000"/>
+              <a:buFontTx/>
+              <a:buBlip>
+                <a:blip r:embed="rId2"/>
+              </a:buBlip>
+              <a:defRPr sz="6400"/>
+            </a:pPr>
+            <a:r>
+              <a:t>Column-oriented workflow</a:t>
+            </a:r>
+          </a:p>
+          <a:p>
+            <a:pPr marL="705970" indent="-705970">
+              <a:buClrTx/>
+              <a:buSzPct val="40000"/>
+              <a:buFontTx/>
+              <a:buBlip>
+                <a:blip r:embed="rId2"/>
+              </a:buBlip>
+              <a:defRPr sz="6400"/>
+            </a:pPr>
+            <a:r>
+              <a:t>Huge community</a:t>
             </a:r>
           </a:p>
         </p:txBody>
@@ -8382,33 +8398,85 @@
       </p:grpSpPr>
       <p:pic>
         <p:nvPicPr>
-          <p:cNvPr id="292" name="pasted-image.gif"/>
+          <p:cNvPr id="288" name="pasted-image.jpeg"/>
           <p:cNvPicPr>
             <a:picLocks noChangeAspect="1"/>
           </p:cNvPicPr>
-          <p:nvPr/>
+          <p:nvPr>
+            <p:ph type="pic" idx="13"/>
+          </p:nvPr>
         </p:nvPicPr>
         <p:blipFill>
           <a:blip r:embed="rId2">
             <a:extLst/>
           </a:blip>
+          <a:srcRect l="30987" t="0" r="26529" b="0"/>
           <a:stretch>
             <a:fillRect/>
           </a:stretch>
         </p:blipFill>
         <p:spPr>
           <a:xfrm>
-            <a:off x="234949" y="774210"/>
-            <a:ext cx="12534901" cy="8205180"/>
-          </a:xfrm>
-          <a:prstGeom prst="rect">
-            <a:avLst/>
-          </a:prstGeom>
-          <a:ln w="12700">
-            <a:miter lim="400000"/>
-          </a:ln>
+            <a:off x="0" y="1244707"/>
+            <a:ext cx="5486400" cy="7264186"/>
+          </a:xfrm>
+          <a:prstGeom prst="rect">
+            <a:avLst/>
+          </a:prstGeom>
         </p:spPr>
       </p:pic>
+      <p:sp>
+        <p:nvSpPr>
+          <p:cNvPr id="289" name="Shape 289"/>
+          <p:cNvSpPr/>
+          <p:nvPr>
+            <p:ph type="title"/>
+          </p:nvPr>
+        </p:nvSpPr>
+        <p:spPr>
+          <a:prstGeom prst="rect">
+            <a:avLst/>
+          </a:prstGeom>
+        </p:spPr>
+        <p:txBody>
+          <a:bodyPr/>
+          <a:lstStyle>
+            <a:lvl1pPr defTabSz="385572">
+              <a:defRPr sz="11220"/>
+            </a:lvl1pPr>
+          </a:lstStyle>
+          <a:p>
+            <a:pPr/>
+            <a:r>
+              <a:t>Data Analysis </a:t>
+            </a:r>
+          </a:p>
+        </p:txBody>
+      </p:sp>
+      <p:sp>
+        <p:nvSpPr>
+          <p:cNvPr id="290" name="Shape 290"/>
+          <p:cNvSpPr/>
+          <p:nvPr>
+            <p:ph type="body" sz="quarter" idx="1"/>
+          </p:nvPr>
+        </p:nvSpPr>
+        <p:spPr>
+          <a:prstGeom prst="rect">
+            <a:avLst/>
+          </a:prstGeom>
+        </p:spPr>
+        <p:txBody>
+          <a:bodyPr/>
+          <a:lstStyle/>
+          <a:p>
+            <a:pPr/>
+            <a:r>
+              <a:t>exploration and </a:t>
+            </a:r>
+          </a:p>
+        </p:txBody>
+      </p:sp>
     </p:spTree>
   </p:cSld>
   <p:clrMapOvr>
@@ -8435,19 +8503,40 @@
           <a:chExt cx="0" cy="0"/>
         </a:xfrm>
       </p:grpSpPr>
-      <p:sp>
-        <p:nvSpPr>
-          <p:cNvPr id="294" name="Shape 294"/>
+      <p:pic>
+        <p:nvPicPr>
+          <p:cNvPr id="292" name="pasted-image.jpeg"/>
+          <p:cNvPicPr>
+            <a:picLocks noChangeAspect="1"/>
+          </p:cNvPicPr>
+          <p:nvPr>
+            <p:ph type="pic" idx="13"/>
+          </p:nvPr>
+        </p:nvPicPr>
+        <p:blipFill>
+          <a:blip r:embed="rId2">
+            <a:extLst/>
+          </a:blip>
+          <a:srcRect l="31235" t="0" r="31235" b="0"/>
+          <a:stretch>
+            <a:fillRect/>
+          </a:stretch>
+        </p:blipFill>
+        <p:spPr>
+          <a:prstGeom prst="rect">
+            <a:avLst/>
+          </a:prstGeom>
+        </p:spPr>
+      </p:pic>
+      <p:sp>
+        <p:nvSpPr>
+          <p:cNvPr id="293" name="Shape 293"/>
           <p:cNvSpPr/>
           <p:nvPr>
             <p:ph type="title"/>
           </p:nvPr>
         </p:nvSpPr>
         <p:spPr>
-          <a:xfrm>
-            <a:off x="406400" y="3920066"/>
-            <a:ext cx="12192000" cy="4521201"/>
-          </a:xfrm>
           <a:prstGeom prst="rect">
             <a:avLst/>
           </a:prstGeom>
@@ -8455,13 +8544,36 @@
         <p:txBody>
           <a:bodyPr/>
           <a:lstStyle>
-            <a:lvl1pPr algn="ctr"/>
+            <a:lvl1pPr defTabSz="373887">
+              <a:defRPr sz="10880"/>
+            </a:lvl1pPr>
           </a:lstStyle>
           <a:p>
             <a:pPr/>
             <a:r>
-              <a:t>MatPlotLib</a:t>
-            </a:r>
+              <a:t>Cleaning Data</a:t>
+            </a:r>
+          </a:p>
+        </p:txBody>
+      </p:sp>
+      <p:sp>
+        <p:nvSpPr>
+          <p:cNvPr id="294" name="Shape 294"/>
+          <p:cNvSpPr/>
+          <p:nvPr>
+            <p:ph type="body" sz="quarter" idx="1"/>
+          </p:nvPr>
+        </p:nvSpPr>
+        <p:spPr>
+          <a:prstGeom prst="rect">
+            <a:avLst/>
+          </a:prstGeom>
+        </p:spPr>
+        <p:txBody>
+          <a:bodyPr/>
+          <a:lstStyle/>
+          <a:p>
+            <a:pPr/>
           </a:p>
         </p:txBody>
       </p:sp>
@@ -8491,19 +8603,44 @@
           <a:chExt cx="0" cy="0"/>
         </a:xfrm>
       </p:grpSpPr>
-      <p:sp>
-        <p:nvSpPr>
-          <p:cNvPr id="296" name="Shape 296"/>
+      <p:pic>
+        <p:nvPicPr>
+          <p:cNvPr id="296" name="pasted-image.jpeg"/>
+          <p:cNvPicPr>
+            <a:picLocks noChangeAspect="1"/>
+          </p:cNvPicPr>
+          <p:nvPr>
+            <p:ph type="pic" idx="13"/>
+          </p:nvPr>
+        </p:nvPicPr>
+        <p:blipFill>
+          <a:blip r:embed="rId2">
+            <a:extLst/>
+          </a:blip>
+          <a:srcRect l="17708" t="0" r="44791" b="0"/>
+          <a:stretch>
+            <a:fillRect/>
+          </a:stretch>
+        </p:blipFill>
+        <p:spPr>
+          <a:xfrm>
+            <a:off x="0" y="0"/>
+            <a:ext cx="5486400" cy="9753600"/>
+          </a:xfrm>
+          <a:prstGeom prst="rect">
+            <a:avLst/>
+          </a:prstGeom>
+        </p:spPr>
+      </p:pic>
+      <p:sp>
+        <p:nvSpPr>
+          <p:cNvPr id="297" name="Shape 297"/>
           <p:cNvSpPr/>
           <p:nvPr>
             <p:ph type="title"/>
           </p:nvPr>
         </p:nvSpPr>
         <p:spPr>
-          <a:xfrm>
-            <a:off x="406400" y="1536700"/>
-            <a:ext cx="12192000" cy="1169261"/>
-          </a:xfrm>
           <a:prstGeom prst="rect">
             <a:avLst/>
           </a:prstGeom>
@@ -8511,85 +8648,38 @@
         <p:txBody>
           <a:bodyPr/>
           <a:lstStyle>
-            <a:lvl1pPr defTabSz="403097">
-              <a:spcBef>
-                <a:spcPts val="1900"/>
-              </a:spcBef>
-              <a:defRPr sz="8200"/>
+            <a:lvl1pPr defTabSz="350520">
+              <a:defRPr sz="10200"/>
             </a:lvl1pPr>
           </a:lstStyle>
           <a:p>
             <a:pPr/>
             <a:r>
-              <a:t>MatPlotlib</a:t>
-            </a:r>
-          </a:p>
-        </p:txBody>
-      </p:sp>
-      <p:sp>
-        <p:nvSpPr>
-          <p:cNvPr id="297" name="Shape 297"/>
-          <p:cNvSpPr/>
-          <p:nvPr>
-            <p:ph type="body" sz="half" idx="1"/>
-          </p:nvPr>
-        </p:nvSpPr>
-        <p:spPr>
-          <a:xfrm>
-            <a:off x="406400" y="4538100"/>
-            <a:ext cx="12192000" cy="2531601"/>
-          </a:xfrm>
-          <a:prstGeom prst="rect">
-            <a:avLst/>
-          </a:prstGeom>
-        </p:spPr>
-        <p:txBody>
-          <a:bodyPr anchor="t"/>
+              <a:t>we can be Fast</a:t>
+            </a:r>
+          </a:p>
+        </p:txBody>
+      </p:sp>
+      <p:sp>
+        <p:nvSpPr>
+          <p:cNvPr id="298" name="Shape 298"/>
+          <p:cNvSpPr/>
+          <p:nvPr>
+            <p:ph type="body" sz="quarter" idx="1"/>
+          </p:nvPr>
+        </p:nvSpPr>
+        <p:spPr>
+          <a:prstGeom prst="rect">
+            <a:avLst/>
+          </a:prstGeom>
+        </p:spPr>
+        <p:txBody>
+          <a:bodyPr/>
           <a:lstStyle/>
           <a:p>
-            <a:pPr marL="550656" indent="-550656" defTabSz="455674">
-              <a:lnSpc>
-                <a:spcPct val="100000"/>
-              </a:lnSpc>
-              <a:spcBef>
-                <a:spcPts val="2100"/>
-              </a:spcBef>
-              <a:buSzPct val="40000"/>
-              <a:buBlip>
-                <a:blip r:embed="rId2"/>
-              </a:buBlip>
-              <a:defRPr cap="none" spc="0" sz="4900">
-                <a:latin typeface="Avenir Next Medium"/>
-                <a:ea typeface="Avenir Next Medium"/>
-                <a:cs typeface="Avenir Next Medium"/>
-                <a:sym typeface="Avenir Next Medium"/>
-              </a:defRPr>
-            </a:pPr>
-            <a:r>
-              <a:t>Originally a copy from MATLAB</a:t>
-            </a:r>
-          </a:p>
-          <a:p>
-            <a:pPr marL="550656" indent="-550656" defTabSz="455674">
-              <a:lnSpc>
-                <a:spcPct val="100000"/>
-              </a:lnSpc>
-              <a:spcBef>
-                <a:spcPts val="2100"/>
-              </a:spcBef>
-              <a:buSzPct val="40000"/>
-              <a:buBlip>
-                <a:blip r:embed="rId2"/>
-              </a:buBlip>
-              <a:defRPr cap="none" spc="0" sz="4900">
-                <a:latin typeface="Avenir Next Medium"/>
-                <a:ea typeface="Avenir Next Medium"/>
-                <a:cs typeface="Avenir Next Medium"/>
-                <a:sym typeface="Avenir Next Medium"/>
-              </a:defRPr>
-            </a:pPr>
-            <a:r>
-              <a:t>Oldest, most popular graphing library</a:t>
+            <a:pPr/>
+            <a:r>
+              <a:t>When it matters </a:t>
             </a:r>
           </a:p>
         </p:txBody>
@@ -8604,15 +8694,123 @@
 </file>
 
 <file path=ppt/slides/slide26.xml><?xml version="1.0" encoding="utf-8"?>
+<p:sld xmlns:a="http://schemas.openxmlformats.org/drawingml/2006/main" xmlns:r="http://schemas.openxmlformats.org/officeDocument/2006/relationships" xmlns:p="http://schemas.openxmlformats.org/presentationml/2006/main" show="0" showMasterSp="1" showMasterPhAnim="1">
+  <p:cSld>
+    <p:spTree>
+      <p:nvGrpSpPr>
+        <p:cNvPr id="1" name=""/>
+        <p:cNvGrpSpPr/>
+        <p:nvPr/>
+      </p:nvGrpSpPr>
+      <p:grpSpPr>
+        <a:xfrm>
+          <a:off x="0" y="0"/>
+          <a:ext cx="0" cy="0"/>
+          <a:chOff x="0" y="0"/>
+          <a:chExt cx="0" cy="0"/>
+        </a:xfrm>
+      </p:grpSpPr>
+      <p:sp>
+        <p:nvSpPr>
+          <p:cNvPr id="300" name="Shape 300"/>
+          <p:cNvSpPr/>
+          <p:nvPr>
+            <p:ph type="body" idx="13"/>
+          </p:nvPr>
+        </p:nvSpPr>
+        <p:spPr>
+          <a:xfrm>
+            <a:off x="6134100" y="1425689"/>
+            <a:ext cx="6705600" cy="5816601"/>
+          </a:xfrm>
+          <a:prstGeom prst="rect">
+            <a:avLst/>
+          </a:prstGeom>
+        </p:spPr>
+        <p:txBody>
+          <a:bodyPr/>
+          <a:lstStyle>
+            <a:lvl1pPr>
+              <a:defRPr cap="none" sz="9000"/>
+            </a:lvl1pPr>
+          </a:lstStyle>
+          <a:p>
+            <a:pPr/>
+            <a:r>
+              <a:t>Every problem in computer science can be solved by another layer of indirection</a:t>
+            </a:r>
+          </a:p>
+        </p:txBody>
+      </p:sp>
+      <p:pic>
+        <p:nvPicPr>
+          <p:cNvPr id="301" name="pasted-image.jpeg"/>
+          <p:cNvPicPr>
+            <a:picLocks noChangeAspect="1"/>
+          </p:cNvPicPr>
+          <p:nvPr>
+            <p:ph type="pic" idx="14"/>
+          </p:nvPr>
+        </p:nvPicPr>
+        <p:blipFill>
+          <a:blip r:embed="rId2">
+            <a:extLst/>
+          </a:blip>
+          <a:srcRect l="0" t="0" r="0" b="0"/>
+          <a:stretch>
+            <a:fillRect/>
+          </a:stretch>
+        </p:blipFill>
+        <p:spPr>
+          <a:xfrm>
+            <a:off x="330199" y="1460500"/>
+            <a:ext cx="5486401" cy="6858001"/>
+          </a:xfrm>
+          <a:prstGeom prst="rect">
+            <a:avLst/>
+          </a:prstGeom>
+        </p:spPr>
+      </p:pic>
+      <p:sp>
+        <p:nvSpPr>
+          <p:cNvPr id="302" name="Shape 302"/>
+          <p:cNvSpPr/>
+          <p:nvPr>
+            <p:ph type="body" idx="15"/>
+          </p:nvPr>
+        </p:nvSpPr>
+        <p:spPr>
+          <a:xfrm>
+            <a:off x="6134100" y="7409323"/>
+            <a:ext cx="6705600" cy="863604"/>
+          </a:xfrm>
+          <a:prstGeom prst="rect">
+            <a:avLst/>
+          </a:prstGeom>
+        </p:spPr>
+        <p:txBody>
+          <a:bodyPr/>
+          <a:lstStyle/>
+          <a:p>
+            <a:pPr/>
+            <a:r>
+              <a:t>- David Wheeler</a:t>
+            </a:r>
+          </a:p>
+        </p:txBody>
+      </p:sp>
+    </p:spTree>
+  </p:cSld>
+  <p:clrMapOvr>
+    <a:masterClrMapping/>
+  </p:clrMapOvr>
+  <p:transition xmlns:p14="http://schemas.microsoft.com/office/powerpoint/2010/main" spd="med" advClick="1"/>
+</p:sld>
+</file>
+
+<file path=ppt/slides/slide27.xml><?xml version="1.0" encoding="utf-8"?>
 <p:sld xmlns:a="http://schemas.openxmlformats.org/drawingml/2006/main" xmlns:r="http://schemas.openxmlformats.org/officeDocument/2006/relationships" xmlns:p="http://schemas.openxmlformats.org/presentationml/2006/main" showMasterSp="1" showMasterPhAnim="1">
   <p:cSld>
-    <p:bg>
-      <p:bgPr>
-        <a:solidFill>
-          <a:srgbClr val="FFFFFF"/>
-        </a:solidFill>
-      </p:bgPr>
-    </p:bg>
     <p:spTree>
       <p:nvGrpSpPr>
         <p:cNvPr id="1" name=""/>
@@ -8629,7 +8827,7 @@
       </p:grpSpPr>
       <p:pic>
         <p:nvPicPr>
-          <p:cNvPr id="299" name="Screen Shot 2018-11-08 at 8.08.44 PM.png"/>
+          <p:cNvPr id="304" name="pasted-image.gif"/>
           <p:cNvPicPr>
             <a:picLocks noChangeAspect="1"/>
           </p:cNvPicPr>
@@ -8645,8 +8843,8 @@
         </p:blipFill>
         <p:spPr>
           <a:xfrm>
-            <a:off x="132702" y="786178"/>
-            <a:ext cx="13004801" cy="8845906"/>
+            <a:off x="234950" y="774210"/>
+            <a:ext cx="12534900" cy="8205180"/>
           </a:xfrm>
           <a:prstGeom prst="rect">
             <a:avLst/>
@@ -8654,68 +8852,6 @@
           <a:ln w="12700">
             <a:miter lim="400000"/>
           </a:ln>
-        </p:spPr>
-      </p:pic>
-    </p:spTree>
-  </p:cSld>
-  <p:clrMapOvr>
-    <a:masterClrMapping/>
-  </p:clrMapOvr>
-  <p:transition xmlns:p14="http://schemas.microsoft.com/office/powerpoint/2010/main" spd="med" advClick="1"/>
-</p:sld>
-</file>
-
-<file path=ppt/slides/slide27.xml><?xml version="1.0" encoding="utf-8"?>
-<p:sld xmlns:a="http://schemas.openxmlformats.org/drawingml/2006/main" xmlns:r="http://schemas.openxmlformats.org/officeDocument/2006/relationships" xmlns:p="http://schemas.openxmlformats.org/presentationml/2006/main" showMasterSp="1" showMasterPhAnim="1">
-  <p:cSld>
-    <p:bg>
-      <p:bgPr>
-        <a:solidFill>
-          <a:srgbClr val="FFFFFF"/>
-        </a:solidFill>
-      </p:bgPr>
-    </p:bg>
-    <p:spTree>
-      <p:nvGrpSpPr>
-        <p:cNvPr id="1" name=""/>
-        <p:cNvGrpSpPr/>
-        <p:nvPr/>
-      </p:nvGrpSpPr>
-      <p:grpSpPr>
-        <a:xfrm>
-          <a:off x="0" y="0"/>
-          <a:ext cx="0" cy="0"/>
-          <a:chOff x="0" y="0"/>
-          <a:chExt cx="0" cy="0"/>
-        </a:xfrm>
-      </p:grpSpPr>
-      <p:pic>
-        <p:nvPicPr>
-          <p:cNvPr id="301" name="Screen Shot 2018-11-08 at 7.55.58 PM.png"/>
-          <p:cNvPicPr>
-            <a:picLocks noChangeAspect="1"/>
-          </p:cNvPicPr>
-          <p:nvPr>
-            <p:ph type="pic" idx="13"/>
-          </p:nvPr>
-        </p:nvPicPr>
-        <p:blipFill>
-          <a:blip r:embed="rId2">
-            <a:extLst/>
-          </a:blip>
-          <a:srcRect l="637" t="0" r="637" b="0"/>
-          <a:stretch>
-            <a:fillRect/>
-          </a:stretch>
-        </p:blipFill>
-        <p:spPr>
-          <a:xfrm>
-            <a:off x="126136" y="536014"/>
-            <a:ext cx="13004801" cy="9267269"/>
-          </a:xfrm>
-          <a:prstGeom prst="rect">
-            <a:avLst/>
-          </a:prstGeom>
         </p:spPr>
       </p:pic>
     </p:spTree>
@@ -8744,31 +8880,36 @@
           <a:chExt cx="0" cy="0"/>
         </a:xfrm>
       </p:grpSpPr>
-      <p:pic>
-        <p:nvPicPr>
-          <p:cNvPr id="303" name="lorenz_attractor.png"/>
-          <p:cNvPicPr>
-            <a:picLocks noChangeAspect="1"/>
-          </p:cNvPicPr>
-          <p:nvPr>
-            <p:ph type="pic" idx="13"/>
-          </p:nvPr>
-        </p:nvPicPr>
-        <p:blipFill>
-          <a:blip r:embed="rId2">
-            <a:extLst/>
-          </a:blip>
-          <a:srcRect l="2867" t="6795" r="2867" b="6795"/>
-          <a:stretch>
-            <a:fillRect/>
-          </a:stretch>
-        </p:blipFill>
-        <p:spPr>
-          <a:prstGeom prst="rect">
-            <a:avLst/>
-          </a:prstGeom>
-        </p:spPr>
-      </p:pic>
+      <p:sp>
+        <p:nvSpPr>
+          <p:cNvPr id="306" name="Shape 306"/>
+          <p:cNvSpPr/>
+          <p:nvPr>
+            <p:ph type="title"/>
+          </p:nvPr>
+        </p:nvSpPr>
+        <p:spPr>
+          <a:xfrm>
+            <a:off x="406400" y="3920066"/>
+            <a:ext cx="12192000" cy="4521201"/>
+          </a:xfrm>
+          <a:prstGeom prst="rect">
+            <a:avLst/>
+          </a:prstGeom>
+        </p:spPr>
+        <p:txBody>
+          <a:bodyPr/>
+          <a:lstStyle>
+            <a:lvl1pPr algn="ctr"/>
+          </a:lstStyle>
+          <a:p>
+            <a:pPr/>
+            <a:r>
+              <a:t>MatPlotLib</a:t>
+            </a:r>
+          </a:p>
+        </p:txBody>
+      </p:sp>
     </p:spTree>
   </p:cSld>
   <p:clrMapOvr>
@@ -8795,31 +8936,109 @@
           <a:chExt cx="0" cy="0"/>
         </a:xfrm>
       </p:grpSpPr>
-      <p:pic>
-        <p:nvPicPr>
-          <p:cNvPr id="305" name="vector_field.png"/>
-          <p:cNvPicPr>
-            <a:picLocks noChangeAspect="1"/>
-          </p:cNvPicPr>
-          <p:nvPr>
-            <p:ph type="pic" idx="13"/>
-          </p:nvPr>
-        </p:nvPicPr>
-        <p:blipFill>
-          <a:blip r:embed="rId2">
-            <a:extLst/>
-          </a:blip>
-          <a:srcRect l="0" t="0" r="0" b="0"/>
-          <a:stretch>
-            <a:fillRect/>
-          </a:stretch>
-        </p:blipFill>
-        <p:spPr>
-          <a:prstGeom prst="rect">
-            <a:avLst/>
-          </a:prstGeom>
-        </p:spPr>
-      </p:pic>
+      <p:sp>
+        <p:nvSpPr>
+          <p:cNvPr id="308" name="Shape 308"/>
+          <p:cNvSpPr/>
+          <p:nvPr>
+            <p:ph type="title"/>
+          </p:nvPr>
+        </p:nvSpPr>
+        <p:spPr>
+          <a:xfrm>
+            <a:off x="406400" y="1536700"/>
+            <a:ext cx="12192000" cy="1169261"/>
+          </a:xfrm>
+          <a:prstGeom prst="rect">
+            <a:avLst/>
+          </a:prstGeom>
+        </p:spPr>
+        <p:txBody>
+          <a:bodyPr/>
+          <a:lstStyle>
+            <a:lvl1pPr defTabSz="403097">
+              <a:spcBef>
+                <a:spcPts val="1900"/>
+              </a:spcBef>
+              <a:defRPr sz="8200"/>
+            </a:lvl1pPr>
+          </a:lstStyle>
+          <a:p>
+            <a:pPr/>
+            <a:r>
+              <a:t>MatPlotlib</a:t>
+            </a:r>
+          </a:p>
+        </p:txBody>
+      </p:sp>
+      <p:sp>
+        <p:nvSpPr>
+          <p:cNvPr id="309" name="Shape 309"/>
+          <p:cNvSpPr/>
+          <p:nvPr>
+            <p:ph type="body" sz="half" idx="1"/>
+          </p:nvPr>
+        </p:nvSpPr>
+        <p:spPr>
+          <a:xfrm>
+            <a:off x="406400" y="4538100"/>
+            <a:ext cx="12192000" cy="2531601"/>
+          </a:xfrm>
+          <a:prstGeom prst="rect">
+            <a:avLst/>
+          </a:prstGeom>
+        </p:spPr>
+        <p:txBody>
+          <a:bodyPr anchor="t"/>
+          <a:lstStyle/>
+          <a:p>
+            <a:pPr marL="550656" indent="-550656" defTabSz="455674">
+              <a:lnSpc>
+                <a:spcPct val="100000"/>
+              </a:lnSpc>
+              <a:spcBef>
+                <a:spcPts val="2100"/>
+              </a:spcBef>
+              <a:buSzPct val="40000"/>
+              <a:buBlip>
+                <a:blip r:embed="rId2"/>
+              </a:buBlip>
+              <a:defRPr cap="none" spc="0" sz="4900">
+                <a:latin typeface="Avenir Next Medium"/>
+                <a:ea typeface="Avenir Next Medium"/>
+                <a:cs typeface="Avenir Next Medium"/>
+                <a:sym typeface="Avenir Next Medium"/>
+              </a:defRPr>
+            </a:pPr>
+            <a:r>
+              <a:t>Originally a copy from MATLAB</a:t>
+            </a:r>
+          </a:p>
+          <a:p>
+            <a:pPr marL="550656" indent="-550656" defTabSz="455674">
+              <a:lnSpc>
+                <a:spcPct val="100000"/>
+              </a:lnSpc>
+              <a:spcBef>
+                <a:spcPts val="2100"/>
+              </a:spcBef>
+              <a:buSzPct val="40000"/>
+              <a:buBlip>
+                <a:blip r:embed="rId2"/>
+              </a:buBlip>
+              <a:defRPr cap="none" spc="0" sz="4900">
+                <a:latin typeface="Avenir Next Medium"/>
+                <a:ea typeface="Avenir Next Medium"/>
+                <a:cs typeface="Avenir Next Medium"/>
+                <a:sym typeface="Avenir Next Medium"/>
+              </a:defRPr>
+            </a:pPr>
+            <a:r>
+              <a:t>Oldest, most popular graphing library</a:t>
+            </a:r>
+          </a:p>
+        </p:txBody>
+      </p:sp>
     </p:spTree>
   </p:cSld>
   <p:clrMapOvr>
@@ -8846,87 +9065,45 @@
           <a:chExt cx="0" cy="0"/>
         </a:xfrm>
       </p:grpSpPr>
-      <p:pic>
-        <p:nvPicPr>
-          <p:cNvPr id="225" name="image4.png"/>
-          <p:cNvPicPr>
-            <a:picLocks noChangeAspect="1"/>
-          </p:cNvPicPr>
-          <p:nvPr>
-            <p:ph type="pic" idx="13"/>
-          </p:nvPr>
-        </p:nvPicPr>
-        <p:blipFill>
-          <a:blip r:embed="rId2">
-            <a:extLst/>
-          </a:blip>
-          <a:srcRect l="8398" t="0" r="58268" b="0"/>
-          <a:stretch>
-            <a:fillRect/>
-          </a:stretch>
-        </p:blipFill>
+      <p:sp>
+        <p:nvSpPr>
+          <p:cNvPr id="225" name="Shape 225"/>
+          <p:cNvSpPr/>
+          <p:nvPr>
+            <p:ph type="title"/>
+          </p:nvPr>
+        </p:nvSpPr>
         <p:spPr>
           <a:xfrm>
-            <a:off x="-38100" y="313627"/>
-            <a:ext cx="5486400" cy="9126345"/>
-          </a:xfrm>
-          <a:prstGeom prst="rect">
-            <a:avLst/>
-          </a:prstGeom>
-        </p:spPr>
-      </p:pic>
-      <p:sp>
-        <p:nvSpPr>
-          <p:cNvPr id="226" name="Shape 226"/>
-          <p:cNvSpPr/>
-          <p:nvPr>
-            <p:ph type="title"/>
-          </p:nvPr>
-        </p:nvSpPr>
-        <p:spPr>
+            <a:off x="1028968" y="3347504"/>
+            <a:ext cx="10946863" cy="3058592"/>
+          </a:xfrm>
           <a:prstGeom prst="rect">
             <a:avLst/>
           </a:prstGeom>
         </p:spPr>
         <p:txBody>
           <a:bodyPr/>
-          <a:lstStyle>
-            <a:lvl1pPr>
-              <a:defRPr sz="9600"/>
-            </a:lvl1pPr>
-          </a:lstStyle>
-          <a:p>
-            <a:pPr/>
-            <a:r>
-              <a:t>Code</a:t>
-            </a:r>
-          </a:p>
-        </p:txBody>
-      </p:sp>
-      <p:sp>
-        <p:nvSpPr>
-          <p:cNvPr id="227" name="Shape 227"/>
-          <p:cNvSpPr/>
-          <p:nvPr>
-            <p:ph type="body" sz="quarter" idx="1"/>
-          </p:nvPr>
-        </p:nvSpPr>
-        <p:spPr>
-          <a:prstGeom prst="rect">
-            <a:avLst/>
-          </a:prstGeom>
-        </p:spPr>
-        <p:txBody>
-          <a:bodyPr/>
-          <a:lstStyle>
-            <a:lvl1pPr>
-              <a:defRPr sz="5300"/>
-            </a:lvl1pPr>
-          </a:lstStyle>
-          <a:p>
-            <a:pPr/>
-            <a:r>
-              <a:t>Short, Readable</a:t>
+          <a:lstStyle/>
+          <a:p>
+            <a:pPr algn="r" defTabSz="303783">
+              <a:defRPr sz="11439"/>
+            </a:pPr>
+            <a:r>
+              <a:rPr>
+                <a:solidFill>
+                  <a:srgbClr val="FFFFFF"/>
+                </a:solidFill>
+              </a:rPr>
+              <a:t>Python’s data Science </a:t>
+            </a:r>
+            <a:r>
+              <a:rPr>
+                <a:solidFill>
+                  <a:schemeClr val="accent5"/>
+                </a:solidFill>
+              </a:rPr>
+              <a:t>Toolset</a:t>
             </a:r>
           </a:p>
         </p:txBody>
@@ -8943,6 +9120,13 @@
 <file path=ppt/slides/slide30.xml><?xml version="1.0" encoding="utf-8"?>
 <p:sld xmlns:a="http://schemas.openxmlformats.org/drawingml/2006/main" xmlns:r="http://schemas.openxmlformats.org/officeDocument/2006/relationships" xmlns:p="http://schemas.openxmlformats.org/presentationml/2006/main" showMasterSp="1" showMasterPhAnim="1">
   <p:cSld>
+    <p:bg>
+      <p:bgPr>
+        <a:solidFill>
+          <a:srgbClr val="FFFFFF"/>
+        </a:solidFill>
+      </p:bgPr>
+    </p:bg>
     <p:spTree>
       <p:nvGrpSpPr>
         <p:cNvPr id="1" name=""/>
@@ -8957,36 +9141,35 @@
           <a:chExt cx="0" cy="0"/>
         </a:xfrm>
       </p:grpSpPr>
-      <p:sp>
-        <p:nvSpPr>
-          <p:cNvPr id="307" name="Shape 307"/>
-          <p:cNvSpPr/>
-          <p:nvPr>
-            <p:ph type="title"/>
-          </p:nvPr>
-        </p:nvSpPr>
+      <p:pic>
+        <p:nvPicPr>
+          <p:cNvPr id="311" name="Screen Shot 2018-11-08 at 8.08.44 PM.png"/>
+          <p:cNvPicPr>
+            <a:picLocks noChangeAspect="1"/>
+          </p:cNvPicPr>
+          <p:nvPr/>
+        </p:nvPicPr>
+        <p:blipFill>
+          <a:blip r:embed="rId2">
+            <a:extLst/>
+          </a:blip>
+          <a:stretch>
+            <a:fillRect/>
+          </a:stretch>
+        </p:blipFill>
         <p:spPr>
           <a:xfrm>
-            <a:off x="406400" y="3920066"/>
-            <a:ext cx="12192000" cy="4521201"/>
-          </a:xfrm>
-          <a:prstGeom prst="rect">
-            <a:avLst/>
-          </a:prstGeom>
-        </p:spPr>
-        <p:txBody>
-          <a:bodyPr/>
-          <a:lstStyle>
-            <a:lvl1pPr algn="ctr"/>
-          </a:lstStyle>
-          <a:p>
-            <a:pPr/>
-            <a:r>
-              <a:t>Sci-Kit Learn</a:t>
-            </a:r>
-          </a:p>
-        </p:txBody>
-      </p:sp>
+            <a:off x="132702" y="786178"/>
+            <a:ext cx="13004801" cy="8845906"/>
+          </a:xfrm>
+          <a:prstGeom prst="rect">
+            <a:avLst/>
+          </a:prstGeom>
+          <a:ln w="12700">
+            <a:miter lim="400000"/>
+          </a:ln>
+        </p:spPr>
+      </p:pic>
     </p:spTree>
   </p:cSld>
   <p:clrMapOvr>
@@ -8999,6 +9182,13 @@
 <file path=ppt/slides/slide31.xml><?xml version="1.0" encoding="utf-8"?>
 <p:sld xmlns:a="http://schemas.openxmlformats.org/drawingml/2006/main" xmlns:r="http://schemas.openxmlformats.org/officeDocument/2006/relationships" xmlns:p="http://schemas.openxmlformats.org/presentationml/2006/main" showMasterSp="1" showMasterPhAnim="1">
   <p:cSld>
+    <p:bg>
+      <p:bgPr>
+        <a:solidFill>
+          <a:srgbClr val="FFFFFF"/>
+        </a:solidFill>
+      </p:bgPr>
+    </p:bg>
     <p:spTree>
       <p:nvGrpSpPr>
         <p:cNvPr id="1" name=""/>
@@ -9013,109 +9203,35 @@
           <a:chExt cx="0" cy="0"/>
         </a:xfrm>
       </p:grpSpPr>
-      <p:sp>
-        <p:nvSpPr>
-          <p:cNvPr id="309" name="Shape 309"/>
-          <p:cNvSpPr/>
-          <p:nvPr>
-            <p:ph type="title"/>
-          </p:nvPr>
-        </p:nvSpPr>
+      <p:pic>
+        <p:nvPicPr>
+          <p:cNvPr id="313" name="Screen Shot 2018-11-08 at 7.55.58 PM.png"/>
+          <p:cNvPicPr>
+            <a:picLocks noChangeAspect="1"/>
+          </p:cNvPicPr>
+          <p:nvPr>
+            <p:ph type="pic" idx="13"/>
+          </p:nvPr>
+        </p:nvPicPr>
+        <p:blipFill>
+          <a:blip r:embed="rId2">
+            <a:extLst/>
+          </a:blip>
+          <a:srcRect l="637" t="0" r="637" b="0"/>
+          <a:stretch>
+            <a:fillRect/>
+          </a:stretch>
+        </p:blipFill>
         <p:spPr>
           <a:xfrm>
-            <a:off x="406400" y="1536700"/>
-            <a:ext cx="12192000" cy="1169261"/>
-          </a:xfrm>
-          <a:prstGeom prst="rect">
-            <a:avLst/>
-          </a:prstGeom>
-        </p:spPr>
-        <p:txBody>
-          <a:bodyPr/>
-          <a:lstStyle>
-            <a:lvl1pPr defTabSz="403097">
-              <a:spcBef>
-                <a:spcPts val="1900"/>
-              </a:spcBef>
-              <a:defRPr sz="8200"/>
-            </a:lvl1pPr>
-          </a:lstStyle>
-          <a:p>
-            <a:pPr/>
-            <a:r>
-              <a:t>Sci-Kit Learn</a:t>
-            </a:r>
-          </a:p>
-        </p:txBody>
-      </p:sp>
-      <p:sp>
-        <p:nvSpPr>
-          <p:cNvPr id="310" name="Shape 310"/>
-          <p:cNvSpPr/>
-          <p:nvPr>
-            <p:ph type="body" sz="half" idx="1"/>
-          </p:nvPr>
-        </p:nvSpPr>
-        <p:spPr>
-          <a:xfrm>
-            <a:off x="406400" y="4538100"/>
-            <a:ext cx="12192000" cy="2531601"/>
-          </a:xfrm>
-          <a:prstGeom prst="rect">
-            <a:avLst/>
-          </a:prstGeom>
-        </p:spPr>
-        <p:txBody>
-          <a:bodyPr anchor="t"/>
-          <a:lstStyle/>
-          <a:p>
-            <a:pPr marL="550656" indent="-550656" defTabSz="455674">
-              <a:lnSpc>
-                <a:spcPct val="100000"/>
-              </a:lnSpc>
-              <a:spcBef>
-                <a:spcPts val="2100"/>
-              </a:spcBef>
-              <a:buSzPct val="40000"/>
-              <a:buBlip>
-                <a:blip r:embed="rId2"/>
-              </a:buBlip>
-              <a:defRPr cap="none" spc="0" sz="4900">
-                <a:latin typeface="Avenir Next Medium"/>
-                <a:ea typeface="Avenir Next Medium"/>
-                <a:cs typeface="Avenir Next Medium"/>
-                <a:sym typeface="Avenir Next Medium"/>
-              </a:defRPr>
-            </a:pPr>
-            <a:r>
-              <a:t>All-in-one machine learning package</a:t>
-            </a:r>
-          </a:p>
-          <a:p>
-            <a:pPr marL="550656" indent="-550656" defTabSz="455674">
-              <a:lnSpc>
-                <a:spcPct val="100000"/>
-              </a:lnSpc>
-              <a:spcBef>
-                <a:spcPts val="2100"/>
-              </a:spcBef>
-              <a:buSzPct val="40000"/>
-              <a:buBlip>
-                <a:blip r:embed="rId2"/>
-              </a:buBlip>
-              <a:defRPr cap="none" spc="0" sz="4900">
-                <a:latin typeface="Avenir Next Medium"/>
-                <a:ea typeface="Avenir Next Medium"/>
-                <a:cs typeface="Avenir Next Medium"/>
-                <a:sym typeface="Avenir Next Medium"/>
-              </a:defRPr>
-            </a:pPr>
-            <a:r>
-              <a:t>Beginner-friendly and well-documented</a:t>
-            </a:r>
-          </a:p>
-        </p:txBody>
-      </p:sp>
+            <a:off x="126136" y="536014"/>
+            <a:ext cx="13004801" cy="9267269"/>
+          </a:xfrm>
+          <a:prstGeom prst="rect">
+            <a:avLst/>
+          </a:prstGeom>
+        </p:spPr>
+      </p:pic>
     </p:spTree>
   </p:cSld>
   <p:clrMapOvr>
@@ -9142,119 +9258,31 @@
           <a:chExt cx="0" cy="0"/>
         </a:xfrm>
       </p:grpSpPr>
-      <p:sp>
-        <p:nvSpPr>
-          <p:cNvPr id="312" name="Shape 312"/>
-          <p:cNvSpPr/>
-          <p:nvPr>
-            <p:ph type="title"/>
-          </p:nvPr>
-        </p:nvSpPr>
-        <p:spPr>
-          <a:xfrm>
-            <a:off x="406400" y="1536700"/>
-            <a:ext cx="12192000" cy="1169260"/>
-          </a:xfrm>
-          <a:prstGeom prst="rect">
-            <a:avLst/>
-          </a:prstGeom>
-        </p:spPr>
-        <p:txBody>
-          <a:bodyPr/>
-          <a:lstStyle>
-            <a:lvl1pPr defTabSz="403097">
-              <a:spcBef>
-                <a:spcPts val="1900"/>
-              </a:spcBef>
-              <a:defRPr sz="8280"/>
-            </a:lvl1pPr>
-          </a:lstStyle>
-          <a:p>
-            <a:pPr/>
-            <a:r>
-              <a:t>Training a Model</a:t>
-            </a:r>
-          </a:p>
-        </p:txBody>
-      </p:sp>
-      <p:sp>
-        <p:nvSpPr>
-          <p:cNvPr id="313" name="Shape 313"/>
-          <p:cNvSpPr/>
-          <p:nvPr/>
-        </p:nvSpPr>
-        <p:spPr>
-          <a:xfrm>
-            <a:off x="546594" y="4381499"/>
-            <a:ext cx="13599923" cy="2844801"/>
-          </a:xfrm>
-          <a:prstGeom prst="rect">
-            <a:avLst/>
-          </a:prstGeom>
-          <a:ln w="12700">
-            <a:miter lim="400000"/>
-          </a:ln>
-          <a:extLst>
-            <a:ext uri="{C572A759-6A51-4108-AA02-DFA0A04FC94B}">
-              <ma14:wrappingTextBoxFlag xmlns:ma14="http://schemas.microsoft.com/office/mac/drawingml/2011/main" val="1"/>
-            </a:ext>
-          </a:extLst>
-        </p:spPr>
-        <p:txBody>
-          <a:bodyPr lIns="50800" tIns="50800" rIns="50800" bIns="50800" anchor="ctr">
-            <a:spAutoFit/>
-          </a:bodyPr>
-          <a:lstStyle/>
-          <a:p>
-            <a:pPr>
-              <a:defRPr sz="4700">
-                <a:solidFill>
-                  <a:srgbClr val="838787"/>
-                </a:solidFill>
-                <a:latin typeface="Anonymous Pro for Powerline"/>
-                <a:ea typeface="Anonymous Pro for Powerline"/>
-                <a:cs typeface="Anonymous Pro for Powerline"/>
-                <a:sym typeface="Anonymous Pro for Powerline"/>
-              </a:defRPr>
-            </a:pPr>
-            <a:r>
-              <a:t>model = LinearRegression()</a:t>
-            </a:r>
-          </a:p>
-          <a:p>
-            <a:pPr>
-              <a:defRPr sz="4700">
-                <a:solidFill>
-                  <a:srgbClr val="838787"/>
-                </a:solidFill>
-                <a:latin typeface="Anonymous Pro for Powerline"/>
-                <a:ea typeface="Anonymous Pro for Powerline"/>
-                <a:cs typeface="Anonymous Pro for Powerline"/>
-                <a:sym typeface="Anonymous Pro for Powerline"/>
-              </a:defRPr>
-            </a:pPr>
-            <a:r>
-              <a:t>columns = [‘crime_rate’, ‘tax_rate’]</a:t>
-            </a:r>
-          </a:p>
-          <a:p>
-            <a:pPr>
-              <a:defRPr sz="4700">
-                <a:solidFill>
-                  <a:srgbClr val="838787"/>
-                </a:solidFill>
-                <a:latin typeface="Anonymous Pro for Powerline"/>
-                <a:ea typeface="Anonymous Pro for Powerline"/>
-                <a:cs typeface="Anonymous Pro for Powerline"/>
-                <a:sym typeface="Anonymous Pro for Powerline"/>
-              </a:defRPr>
-            </a:pPr>
-            <a:r>
-              <a:t>model.fit(df[columns],df[‘price])</a:t>
-            </a:r>
-          </a:p>
-        </p:txBody>
-      </p:sp>
+      <p:pic>
+        <p:nvPicPr>
+          <p:cNvPr id="315" name="lorenz_attractor.png"/>
+          <p:cNvPicPr>
+            <a:picLocks noChangeAspect="1"/>
+          </p:cNvPicPr>
+          <p:nvPr>
+            <p:ph type="pic" idx="13"/>
+          </p:nvPr>
+        </p:nvPicPr>
+        <p:blipFill>
+          <a:blip r:embed="rId2">
+            <a:extLst/>
+          </a:blip>
+          <a:srcRect l="2867" t="6795" r="2867" b="6795"/>
+          <a:stretch>
+            <a:fillRect/>
+          </a:stretch>
+        </p:blipFill>
+        <p:spPr>
+          <a:prstGeom prst="rect">
+            <a:avLst/>
+          </a:prstGeom>
+        </p:spPr>
+      </p:pic>
     </p:spTree>
   </p:cSld>
   <p:clrMapOvr>
@@ -9281,89 +9309,31 @@
           <a:chExt cx="0" cy="0"/>
         </a:xfrm>
       </p:grpSpPr>
-      <p:sp>
-        <p:nvSpPr>
-          <p:cNvPr id="315" name="Shape 315"/>
-          <p:cNvSpPr/>
-          <p:nvPr>
-            <p:ph type="title"/>
-          </p:nvPr>
-        </p:nvSpPr>
-        <p:spPr>
-          <a:xfrm>
-            <a:off x="406400" y="1536700"/>
-            <a:ext cx="12192000" cy="1169260"/>
-          </a:xfrm>
-          <a:prstGeom prst="rect">
-            <a:avLst/>
-          </a:prstGeom>
-        </p:spPr>
-        <p:txBody>
-          <a:bodyPr/>
-          <a:lstStyle>
-            <a:lvl1pPr defTabSz="403097">
-              <a:spcBef>
-                <a:spcPts val="1900"/>
-              </a:spcBef>
-              <a:defRPr sz="8280"/>
-            </a:lvl1pPr>
-          </a:lstStyle>
-          <a:p>
-            <a:pPr/>
-            <a:r>
-              <a:t>Using a Model</a:t>
-            </a:r>
-          </a:p>
-        </p:txBody>
-      </p:sp>
-      <p:sp>
-        <p:nvSpPr>
-          <p:cNvPr id="316" name="Shape 316"/>
-          <p:cNvSpPr/>
-          <p:nvPr/>
-        </p:nvSpPr>
-        <p:spPr>
-          <a:xfrm>
-            <a:off x="526400" y="5397500"/>
-            <a:ext cx="13599923" cy="812801"/>
-          </a:xfrm>
-          <a:prstGeom prst="rect">
-            <a:avLst/>
-          </a:prstGeom>
-          <a:ln w="12700">
-            <a:miter lim="400000"/>
-          </a:ln>
-          <a:extLst>
-            <a:ext uri="{C572A759-6A51-4108-AA02-DFA0A04FC94B}">
-              <ma14:wrappingTextBoxFlag xmlns:ma14="http://schemas.microsoft.com/office/mac/drawingml/2011/main" val="1"/>
-            </a:ext>
-          </a:extLst>
-        </p:spPr>
-        <p:txBody>
-          <a:bodyPr lIns="50800" tIns="50800" rIns="50800" bIns="50800" anchor="ctr">
-            <a:spAutoFit/>
-          </a:bodyPr>
-          <a:lstStyle>
-            <a:lvl1pPr>
-              <a:defRPr sz="4700">
-                <a:solidFill>
-                  <a:srgbClr val="838787"/>
-                </a:solidFill>
-                <a:latin typeface="Anonymous Pro for Powerline"/>
-                <a:ea typeface="Anonymous Pro for Powerline"/>
-                <a:cs typeface="Anonymous Pro for Powerline"/>
-                <a:sym typeface="Anonymous Pro for Powerline"/>
-              </a:defRPr>
-            </a:lvl1pPr>
-          </a:lstStyle>
-          <a:p>
-            <a:pPr/>
-            <a:r>
-              <a:t>model.predict(df[columns])</a:t>
-            </a:r>
-          </a:p>
-        </p:txBody>
-      </p:sp>
+      <p:pic>
+        <p:nvPicPr>
+          <p:cNvPr id="317" name="vector_field.png"/>
+          <p:cNvPicPr>
+            <a:picLocks noChangeAspect="1"/>
+          </p:cNvPicPr>
+          <p:nvPr>
+            <p:ph type="pic" idx="13"/>
+          </p:nvPr>
+        </p:nvPicPr>
+        <p:blipFill>
+          <a:blip r:embed="rId2">
+            <a:extLst/>
+          </a:blip>
+          <a:srcRect l="0" t="0" r="0" b="0"/>
+          <a:stretch>
+            <a:fillRect/>
+          </a:stretch>
+        </p:blipFill>
+        <p:spPr>
+          <a:prstGeom prst="rect">
+            <a:avLst/>
+          </a:prstGeom>
+        </p:spPr>
+      </p:pic>
     </p:spTree>
   </p:cSld>
   <p:clrMapOvr>
@@ -9390,9 +9360,442 @@
           <a:chExt cx="0" cy="0"/>
         </a:xfrm>
       </p:grpSpPr>
+      <p:sp>
+        <p:nvSpPr>
+          <p:cNvPr id="319" name="Shape 319"/>
+          <p:cNvSpPr/>
+          <p:nvPr>
+            <p:ph type="title"/>
+          </p:nvPr>
+        </p:nvSpPr>
+        <p:spPr>
+          <a:xfrm>
+            <a:off x="406400" y="3920066"/>
+            <a:ext cx="12192000" cy="4521201"/>
+          </a:xfrm>
+          <a:prstGeom prst="rect">
+            <a:avLst/>
+          </a:prstGeom>
+        </p:spPr>
+        <p:txBody>
+          <a:bodyPr/>
+          <a:lstStyle>
+            <a:lvl1pPr algn="ctr"/>
+          </a:lstStyle>
+          <a:p>
+            <a:pPr/>
+            <a:r>
+              <a:t>Sci-Kit Learn</a:t>
+            </a:r>
+          </a:p>
+        </p:txBody>
+      </p:sp>
+    </p:spTree>
+  </p:cSld>
+  <p:clrMapOvr>
+    <a:masterClrMapping/>
+  </p:clrMapOvr>
+  <p:transition xmlns:p14="http://schemas.microsoft.com/office/powerpoint/2010/main" spd="med" advClick="1"/>
+</p:sld>
+</file>
+
+<file path=ppt/slides/slide35.xml><?xml version="1.0" encoding="utf-8"?>
+<p:sld xmlns:a="http://schemas.openxmlformats.org/drawingml/2006/main" xmlns:r="http://schemas.openxmlformats.org/officeDocument/2006/relationships" xmlns:p="http://schemas.openxmlformats.org/presentationml/2006/main" showMasterSp="1" showMasterPhAnim="1">
+  <p:cSld>
+    <p:spTree>
+      <p:nvGrpSpPr>
+        <p:cNvPr id="1" name=""/>
+        <p:cNvGrpSpPr/>
+        <p:nvPr/>
+      </p:nvGrpSpPr>
+      <p:grpSpPr>
+        <a:xfrm>
+          <a:off x="0" y="0"/>
+          <a:ext cx="0" cy="0"/>
+          <a:chOff x="0" y="0"/>
+          <a:chExt cx="0" cy="0"/>
+        </a:xfrm>
+      </p:grpSpPr>
+      <p:sp>
+        <p:nvSpPr>
+          <p:cNvPr id="321" name="Shape 321"/>
+          <p:cNvSpPr/>
+          <p:nvPr>
+            <p:ph type="title"/>
+          </p:nvPr>
+        </p:nvSpPr>
+        <p:spPr>
+          <a:xfrm>
+            <a:off x="406400" y="1536700"/>
+            <a:ext cx="12192000" cy="1169261"/>
+          </a:xfrm>
+          <a:prstGeom prst="rect">
+            <a:avLst/>
+          </a:prstGeom>
+        </p:spPr>
+        <p:txBody>
+          <a:bodyPr/>
+          <a:lstStyle>
+            <a:lvl1pPr defTabSz="403097">
+              <a:spcBef>
+                <a:spcPts val="1900"/>
+              </a:spcBef>
+              <a:defRPr sz="8200"/>
+            </a:lvl1pPr>
+          </a:lstStyle>
+          <a:p>
+            <a:pPr/>
+            <a:r>
+              <a:t>Sci-Kit Learn</a:t>
+            </a:r>
+          </a:p>
+        </p:txBody>
+      </p:sp>
+      <p:sp>
+        <p:nvSpPr>
+          <p:cNvPr id="322" name="Shape 322"/>
+          <p:cNvSpPr/>
+          <p:nvPr>
+            <p:ph type="body" sz="half" idx="1"/>
+          </p:nvPr>
+        </p:nvSpPr>
+        <p:spPr>
+          <a:xfrm>
+            <a:off x="406400" y="4538100"/>
+            <a:ext cx="12192000" cy="2531601"/>
+          </a:xfrm>
+          <a:prstGeom prst="rect">
+            <a:avLst/>
+          </a:prstGeom>
+        </p:spPr>
+        <p:txBody>
+          <a:bodyPr anchor="t"/>
+          <a:lstStyle/>
+          <a:p>
+            <a:pPr marL="550656" indent="-550656" defTabSz="455674">
+              <a:lnSpc>
+                <a:spcPct val="100000"/>
+              </a:lnSpc>
+              <a:spcBef>
+                <a:spcPts val="2100"/>
+              </a:spcBef>
+              <a:buSzPct val="40000"/>
+              <a:buBlip>
+                <a:blip r:embed="rId2"/>
+              </a:buBlip>
+              <a:defRPr cap="none" spc="0" sz="4900">
+                <a:latin typeface="Avenir Next Medium"/>
+                <a:ea typeface="Avenir Next Medium"/>
+                <a:cs typeface="Avenir Next Medium"/>
+                <a:sym typeface="Avenir Next Medium"/>
+              </a:defRPr>
+            </a:pPr>
+            <a:r>
+              <a:t>All-in-one machine learning package</a:t>
+            </a:r>
+          </a:p>
+          <a:p>
+            <a:pPr marL="550656" indent="-550656" defTabSz="455674">
+              <a:lnSpc>
+                <a:spcPct val="100000"/>
+              </a:lnSpc>
+              <a:spcBef>
+                <a:spcPts val="2100"/>
+              </a:spcBef>
+              <a:buSzPct val="40000"/>
+              <a:buBlip>
+                <a:blip r:embed="rId2"/>
+              </a:buBlip>
+              <a:defRPr cap="none" spc="0" sz="4900">
+                <a:latin typeface="Avenir Next Medium"/>
+                <a:ea typeface="Avenir Next Medium"/>
+                <a:cs typeface="Avenir Next Medium"/>
+                <a:sym typeface="Avenir Next Medium"/>
+              </a:defRPr>
+            </a:pPr>
+            <a:r>
+              <a:t>Beginner-friendly and well-documented</a:t>
+            </a:r>
+          </a:p>
+        </p:txBody>
+      </p:sp>
+    </p:spTree>
+  </p:cSld>
+  <p:clrMapOvr>
+    <a:masterClrMapping/>
+  </p:clrMapOvr>
+  <p:transition xmlns:p14="http://schemas.microsoft.com/office/powerpoint/2010/main" spd="med" advClick="1"/>
+</p:sld>
+</file>
+
+<file path=ppt/slides/slide36.xml><?xml version="1.0" encoding="utf-8"?>
+<p:sld xmlns:a="http://schemas.openxmlformats.org/drawingml/2006/main" xmlns:r="http://schemas.openxmlformats.org/officeDocument/2006/relationships" xmlns:p="http://schemas.openxmlformats.org/presentationml/2006/main" showMasterSp="1" showMasterPhAnim="1">
+  <p:cSld>
+    <p:spTree>
+      <p:nvGrpSpPr>
+        <p:cNvPr id="1" name=""/>
+        <p:cNvGrpSpPr/>
+        <p:nvPr/>
+      </p:nvGrpSpPr>
+      <p:grpSpPr>
+        <a:xfrm>
+          <a:off x="0" y="0"/>
+          <a:ext cx="0" cy="0"/>
+          <a:chOff x="0" y="0"/>
+          <a:chExt cx="0" cy="0"/>
+        </a:xfrm>
+      </p:grpSpPr>
+      <p:sp>
+        <p:nvSpPr>
+          <p:cNvPr id="324" name="Shape 324"/>
+          <p:cNvSpPr/>
+          <p:nvPr>
+            <p:ph type="title"/>
+          </p:nvPr>
+        </p:nvSpPr>
+        <p:spPr>
+          <a:xfrm>
+            <a:off x="406400" y="1536700"/>
+            <a:ext cx="12192000" cy="1169260"/>
+          </a:xfrm>
+          <a:prstGeom prst="rect">
+            <a:avLst/>
+          </a:prstGeom>
+        </p:spPr>
+        <p:txBody>
+          <a:bodyPr/>
+          <a:lstStyle>
+            <a:lvl1pPr defTabSz="403097">
+              <a:spcBef>
+                <a:spcPts val="1900"/>
+              </a:spcBef>
+              <a:defRPr sz="8280"/>
+            </a:lvl1pPr>
+          </a:lstStyle>
+          <a:p>
+            <a:pPr/>
+            <a:r>
+              <a:t>Training a Model</a:t>
+            </a:r>
+          </a:p>
+        </p:txBody>
+      </p:sp>
+      <p:sp>
+        <p:nvSpPr>
+          <p:cNvPr id="325" name="Shape 325"/>
+          <p:cNvSpPr/>
+          <p:nvPr/>
+        </p:nvSpPr>
+        <p:spPr>
+          <a:xfrm>
+            <a:off x="546594" y="4381499"/>
+            <a:ext cx="13599923" cy="2844801"/>
+          </a:xfrm>
+          <a:prstGeom prst="rect">
+            <a:avLst/>
+          </a:prstGeom>
+          <a:ln w="12700">
+            <a:miter lim="400000"/>
+          </a:ln>
+          <a:extLst>
+            <a:ext uri="{C572A759-6A51-4108-AA02-DFA0A04FC94B}">
+              <ma14:wrappingTextBoxFlag xmlns:ma14="http://schemas.microsoft.com/office/mac/drawingml/2011/main" val="1"/>
+            </a:ext>
+          </a:extLst>
+        </p:spPr>
+        <p:txBody>
+          <a:bodyPr lIns="50800" tIns="50800" rIns="50800" bIns="50800" anchor="ctr">
+            <a:spAutoFit/>
+          </a:bodyPr>
+          <a:lstStyle/>
+          <a:p>
+            <a:pPr>
+              <a:defRPr sz="4700">
+                <a:solidFill>
+                  <a:srgbClr val="838787"/>
+                </a:solidFill>
+                <a:latin typeface="Anonymous Pro for Powerline"/>
+                <a:ea typeface="Anonymous Pro for Powerline"/>
+                <a:cs typeface="Anonymous Pro for Powerline"/>
+                <a:sym typeface="Anonymous Pro for Powerline"/>
+              </a:defRPr>
+            </a:pPr>
+            <a:r>
+              <a:t>model = LinearRegression()</a:t>
+            </a:r>
+          </a:p>
+          <a:p>
+            <a:pPr>
+              <a:defRPr sz="4700">
+                <a:solidFill>
+                  <a:srgbClr val="838787"/>
+                </a:solidFill>
+                <a:latin typeface="Anonymous Pro for Powerline"/>
+                <a:ea typeface="Anonymous Pro for Powerline"/>
+                <a:cs typeface="Anonymous Pro for Powerline"/>
+                <a:sym typeface="Anonymous Pro for Powerline"/>
+              </a:defRPr>
+            </a:pPr>
+            <a:r>
+              <a:t>columns = [‘crime_rate’, ‘tax_rate’]</a:t>
+            </a:r>
+          </a:p>
+          <a:p>
+            <a:pPr>
+              <a:defRPr sz="4700">
+                <a:solidFill>
+                  <a:srgbClr val="838787"/>
+                </a:solidFill>
+                <a:latin typeface="Anonymous Pro for Powerline"/>
+                <a:ea typeface="Anonymous Pro for Powerline"/>
+                <a:cs typeface="Anonymous Pro for Powerline"/>
+                <a:sym typeface="Anonymous Pro for Powerline"/>
+              </a:defRPr>
+            </a:pPr>
+            <a:r>
+              <a:t>model.fit(df[columns],df[‘price])</a:t>
+            </a:r>
+          </a:p>
+        </p:txBody>
+      </p:sp>
+    </p:spTree>
+  </p:cSld>
+  <p:clrMapOvr>
+    <a:masterClrMapping/>
+  </p:clrMapOvr>
+  <p:transition xmlns:p14="http://schemas.microsoft.com/office/powerpoint/2010/main" spd="med" advClick="1"/>
+</p:sld>
+</file>
+
+<file path=ppt/slides/slide37.xml><?xml version="1.0" encoding="utf-8"?>
+<p:sld xmlns:a="http://schemas.openxmlformats.org/drawingml/2006/main" xmlns:r="http://schemas.openxmlformats.org/officeDocument/2006/relationships" xmlns:p="http://schemas.openxmlformats.org/presentationml/2006/main" showMasterSp="1" showMasterPhAnim="1">
+  <p:cSld>
+    <p:spTree>
+      <p:nvGrpSpPr>
+        <p:cNvPr id="1" name=""/>
+        <p:cNvGrpSpPr/>
+        <p:nvPr/>
+      </p:nvGrpSpPr>
+      <p:grpSpPr>
+        <a:xfrm>
+          <a:off x="0" y="0"/>
+          <a:ext cx="0" cy="0"/>
+          <a:chOff x="0" y="0"/>
+          <a:chExt cx="0" cy="0"/>
+        </a:xfrm>
+      </p:grpSpPr>
+      <p:sp>
+        <p:nvSpPr>
+          <p:cNvPr id="327" name="Shape 327"/>
+          <p:cNvSpPr/>
+          <p:nvPr>
+            <p:ph type="title"/>
+          </p:nvPr>
+        </p:nvSpPr>
+        <p:spPr>
+          <a:xfrm>
+            <a:off x="406400" y="1536700"/>
+            <a:ext cx="12192000" cy="1169260"/>
+          </a:xfrm>
+          <a:prstGeom prst="rect">
+            <a:avLst/>
+          </a:prstGeom>
+        </p:spPr>
+        <p:txBody>
+          <a:bodyPr/>
+          <a:lstStyle>
+            <a:lvl1pPr defTabSz="403097">
+              <a:spcBef>
+                <a:spcPts val="1900"/>
+              </a:spcBef>
+              <a:defRPr sz="8280"/>
+            </a:lvl1pPr>
+          </a:lstStyle>
+          <a:p>
+            <a:pPr/>
+            <a:r>
+              <a:t>Using a Model</a:t>
+            </a:r>
+          </a:p>
+        </p:txBody>
+      </p:sp>
+      <p:sp>
+        <p:nvSpPr>
+          <p:cNvPr id="328" name="Shape 328"/>
+          <p:cNvSpPr/>
+          <p:nvPr/>
+        </p:nvSpPr>
+        <p:spPr>
+          <a:xfrm>
+            <a:off x="526400" y="5397500"/>
+            <a:ext cx="13599923" cy="812801"/>
+          </a:xfrm>
+          <a:prstGeom prst="rect">
+            <a:avLst/>
+          </a:prstGeom>
+          <a:ln w="12700">
+            <a:miter lim="400000"/>
+          </a:ln>
+          <a:extLst>
+            <a:ext uri="{C572A759-6A51-4108-AA02-DFA0A04FC94B}">
+              <ma14:wrappingTextBoxFlag xmlns:ma14="http://schemas.microsoft.com/office/mac/drawingml/2011/main" val="1"/>
+            </a:ext>
+          </a:extLst>
+        </p:spPr>
+        <p:txBody>
+          <a:bodyPr lIns="50800" tIns="50800" rIns="50800" bIns="50800" anchor="ctr">
+            <a:spAutoFit/>
+          </a:bodyPr>
+          <a:lstStyle>
+            <a:lvl1pPr>
+              <a:defRPr sz="4700">
+                <a:solidFill>
+                  <a:srgbClr val="838787"/>
+                </a:solidFill>
+                <a:latin typeface="Anonymous Pro for Powerline"/>
+                <a:ea typeface="Anonymous Pro for Powerline"/>
+                <a:cs typeface="Anonymous Pro for Powerline"/>
+                <a:sym typeface="Anonymous Pro for Powerline"/>
+              </a:defRPr>
+            </a:lvl1pPr>
+          </a:lstStyle>
+          <a:p>
+            <a:pPr/>
+            <a:r>
+              <a:t>model.predict(df[columns])</a:t>
+            </a:r>
+          </a:p>
+        </p:txBody>
+      </p:sp>
+    </p:spTree>
+  </p:cSld>
+  <p:clrMapOvr>
+    <a:masterClrMapping/>
+  </p:clrMapOvr>
+  <p:transition xmlns:p14="http://schemas.microsoft.com/office/powerpoint/2010/main" spd="med" advClick="1"/>
+</p:sld>
+</file>
+
+<file path=ppt/slides/slide38.xml><?xml version="1.0" encoding="utf-8"?>
+<p:sld xmlns:a="http://schemas.openxmlformats.org/drawingml/2006/main" xmlns:r="http://schemas.openxmlformats.org/officeDocument/2006/relationships" xmlns:p="http://schemas.openxmlformats.org/presentationml/2006/main" showMasterSp="1" showMasterPhAnim="1">
+  <p:cSld>
+    <p:spTree>
+      <p:nvGrpSpPr>
+        <p:cNvPr id="1" name=""/>
+        <p:cNvGrpSpPr/>
+        <p:nvPr/>
+      </p:nvGrpSpPr>
+      <p:grpSpPr>
+        <a:xfrm>
+          <a:off x="0" y="0"/>
+          <a:ext cx="0" cy="0"/>
+          <a:chOff x="0" y="0"/>
+          <a:chExt cx="0" cy="0"/>
+        </a:xfrm>
+      </p:grpSpPr>
       <p:pic>
         <p:nvPicPr>
-          <p:cNvPr id="318" name="pasted-image.jpeg"/>
+          <p:cNvPr id="330" name="pasted-image.jpeg"/>
           <p:cNvPicPr>
             <a:picLocks noChangeAspect="1"/>
           </p:cNvPicPr>
@@ -9445,19 +9848,44 @@
           <a:chExt cx="0" cy="0"/>
         </a:xfrm>
       </p:grpSpPr>
-      <p:sp>
-        <p:nvSpPr>
-          <p:cNvPr id="229" name="Shape 229"/>
+      <p:pic>
+        <p:nvPicPr>
+          <p:cNvPr id="227" name="image4.png"/>
+          <p:cNvPicPr>
+            <a:picLocks noChangeAspect="1"/>
+          </p:cNvPicPr>
+          <p:nvPr>
+            <p:ph type="pic" idx="13"/>
+          </p:nvPr>
+        </p:nvPicPr>
+        <p:blipFill>
+          <a:blip r:embed="rId2">
+            <a:extLst/>
+          </a:blip>
+          <a:srcRect l="8398" t="0" r="58268" b="0"/>
+          <a:stretch>
+            <a:fillRect/>
+          </a:stretch>
+        </p:blipFill>
+        <p:spPr>
+          <a:xfrm>
+            <a:off x="-38100" y="313627"/>
+            <a:ext cx="5486400" cy="9126345"/>
+          </a:xfrm>
+          <a:prstGeom prst="rect">
+            <a:avLst/>
+          </a:prstGeom>
+        </p:spPr>
+      </p:pic>
+      <p:sp>
+        <p:nvSpPr>
+          <p:cNvPr id="228" name="Shape 228"/>
           <p:cNvSpPr/>
           <p:nvPr>
             <p:ph type="title"/>
           </p:nvPr>
         </p:nvSpPr>
         <p:spPr>
-          <a:xfrm>
-            <a:off x="406400" y="1536700"/>
-            <a:ext cx="12192000" cy="1169261"/>
-          </a:xfrm>
           <a:prstGeom prst="rect">
             <a:avLst/>
           </a:prstGeom>
@@ -9465,85 +9893,42 @@
         <p:txBody>
           <a:bodyPr/>
           <a:lstStyle>
-            <a:lvl1pPr defTabSz="403097">
-              <a:spcBef>
-                <a:spcPts val="1900"/>
-              </a:spcBef>
-              <a:defRPr sz="8200"/>
+            <a:lvl1pPr>
+              <a:defRPr sz="9600"/>
             </a:lvl1pPr>
           </a:lstStyle>
           <a:p>
             <a:pPr/>
             <a:r>
-              <a:t>Code vs UI</a:t>
-            </a:r>
-          </a:p>
-        </p:txBody>
-      </p:sp>
-      <p:sp>
-        <p:nvSpPr>
-          <p:cNvPr id="230" name="Shape 230"/>
-          <p:cNvSpPr/>
-          <p:nvPr>
-            <p:ph type="body" sz="half" idx="1"/>
-          </p:nvPr>
-        </p:nvSpPr>
-        <p:spPr>
-          <a:xfrm>
-            <a:off x="406400" y="4538100"/>
-            <a:ext cx="12192000" cy="2531601"/>
-          </a:xfrm>
-          <a:prstGeom prst="rect">
-            <a:avLst/>
-          </a:prstGeom>
-        </p:spPr>
-        <p:txBody>
-          <a:bodyPr anchor="t"/>
-          <a:lstStyle/>
-          <a:p>
-            <a:pPr marL="550656" indent="-550656" defTabSz="455674">
-              <a:lnSpc>
-                <a:spcPct val="100000"/>
-              </a:lnSpc>
-              <a:spcBef>
-                <a:spcPts val="2100"/>
-              </a:spcBef>
-              <a:buSzPct val="40000"/>
-              <a:buBlip>
-                <a:blip r:embed="rId2"/>
-              </a:buBlip>
-              <a:defRPr cap="none" spc="0" sz="4900">
-                <a:latin typeface="Avenir Next Medium"/>
-                <a:ea typeface="Avenir Next Medium"/>
-                <a:cs typeface="Avenir Next Medium"/>
-                <a:sym typeface="Avenir Next Medium"/>
-              </a:defRPr>
-            </a:pPr>
-            <a:r>
-              <a:t>Harder for beginners</a:t>
-            </a:r>
-          </a:p>
-          <a:p>
-            <a:pPr marL="550656" indent="-550656" defTabSz="455674">
-              <a:lnSpc>
-                <a:spcPct val="100000"/>
-              </a:lnSpc>
-              <a:spcBef>
-                <a:spcPts val="2100"/>
-              </a:spcBef>
-              <a:buSzPct val="40000"/>
-              <a:buBlip>
-                <a:blip r:embed="rId2"/>
-              </a:buBlip>
-              <a:defRPr cap="none" spc="0" sz="4900">
-                <a:latin typeface="Avenir Next Medium"/>
-                <a:ea typeface="Avenir Next Medium"/>
-                <a:cs typeface="Avenir Next Medium"/>
-                <a:sym typeface="Avenir Next Medium"/>
-              </a:defRPr>
-            </a:pPr>
-            <a:r>
-              <a:t>Easier for complex projects</a:t>
+              <a:t>Code</a:t>
+            </a:r>
+          </a:p>
+        </p:txBody>
+      </p:sp>
+      <p:sp>
+        <p:nvSpPr>
+          <p:cNvPr id="229" name="Shape 229"/>
+          <p:cNvSpPr/>
+          <p:nvPr>
+            <p:ph type="body" sz="quarter" idx="1"/>
+          </p:nvPr>
+        </p:nvSpPr>
+        <p:spPr>
+          <a:prstGeom prst="rect">
+            <a:avLst/>
+          </a:prstGeom>
+        </p:spPr>
+        <p:txBody>
+          <a:bodyPr/>
+          <a:lstStyle>
+            <a:lvl1pPr>
+              <a:defRPr sz="5300"/>
+            </a:lvl1pPr>
+          </a:lstStyle>
+          <a:p>
+            <a:pPr/>
+            <a:r>
+              <a:t>Short, Readable</a:t>
             </a:r>
           </a:p>
         </p:txBody>
@@ -9576,7 +9961,7 @@
       </p:grpSpPr>
       <p:sp>
         <p:nvSpPr>
-          <p:cNvPr id="232" name="Shape 232"/>
+          <p:cNvPr id="231" name="Shape 231"/>
           <p:cNvSpPr/>
           <p:nvPr>
             <p:ph type="title"/>
@@ -9604,14 +9989,14 @@
           <a:p>
             <a:pPr/>
             <a:r>
-              <a:t>Short and Readable</a:t>
-            </a:r>
-          </a:p>
-        </p:txBody>
-      </p:sp>
-      <p:sp>
-        <p:nvSpPr>
-          <p:cNvPr id="233" name="Shape 233"/>
+              <a:t>Code vs UI</a:t>
+            </a:r>
+          </a:p>
+        </p:txBody>
+      </p:sp>
+      <p:sp>
+        <p:nvSpPr>
+          <p:cNvPr id="232" name="Shape 232"/>
           <p:cNvSpPr/>
           <p:nvPr>
             <p:ph type="body" sz="half" idx="1"/>
@@ -9649,7 +10034,7 @@
               </a:defRPr>
             </a:pPr>
             <a:r>
-              <a:t>Human productivity &gt; computer speed</a:t>
+              <a:t>Harder for beginners</a:t>
             </a:r>
           </a:p>
           <a:p>
@@ -9672,7 +10057,7 @@
               </a:defRPr>
             </a:pPr>
             <a:r>
-              <a:t>We read code 10X more than we write it</a:t>
+              <a:t>Easier for complex projects</a:t>
             </a:r>
           </a:p>
         </p:txBody>
@@ -9703,87 +10088,79 @@
           <a:chExt cx="0" cy="0"/>
         </a:xfrm>
       </p:grpSpPr>
+      <p:sp>
+        <p:nvSpPr>
+          <p:cNvPr id="234" name="Shape 234"/>
+          <p:cNvSpPr/>
+          <p:nvPr>
+            <p:ph type="ctrTitle"/>
+          </p:nvPr>
+        </p:nvSpPr>
+        <p:spPr>
+          <a:prstGeom prst="rect">
+            <a:avLst/>
+          </a:prstGeom>
+        </p:spPr>
+        <p:txBody>
+          <a:bodyPr/>
+          <a:lstStyle/>
+          <a:p>
+            <a:pPr defTabSz="455675">
+              <a:defRPr sz="13259"/>
+            </a:pPr>
+          </a:p>
+        </p:txBody>
+      </p:sp>
+      <p:sp>
+        <p:nvSpPr>
+          <p:cNvPr id="235" name="Shape 235"/>
+          <p:cNvSpPr/>
+          <p:nvPr>
+            <p:ph type="subTitle" sz="quarter" idx="1"/>
+          </p:nvPr>
+        </p:nvSpPr>
+        <p:spPr>
+          <a:prstGeom prst="rect">
+            <a:avLst/>
+          </a:prstGeom>
+        </p:spPr>
+        <p:txBody>
+          <a:bodyPr/>
+          <a:lstStyle/>
+          <a:p>
+            <a:pPr/>
+          </a:p>
+        </p:txBody>
+      </p:sp>
       <p:pic>
         <p:nvPicPr>
-          <p:cNvPr id="235" name="image2.jpeg"/>
+          <p:cNvPr id="236" name="pasted-image.png"/>
           <p:cNvPicPr>
             <a:picLocks noChangeAspect="1"/>
           </p:cNvPicPr>
-          <p:nvPr>
-            <p:ph type="pic" idx="13"/>
-          </p:nvPr>
+          <p:nvPr/>
         </p:nvPicPr>
         <p:blipFill>
           <a:blip r:embed="rId2">
             <a:extLst/>
           </a:blip>
-          <a:srcRect l="34046" t="0" r="34046" b="0"/>
           <a:stretch>
             <a:fillRect/>
           </a:stretch>
         </p:blipFill>
         <p:spPr>
-          <a:prstGeom prst="rect">
-            <a:avLst/>
-          </a:prstGeom>
+          <a:xfrm>
+            <a:off x="0" y="-901700"/>
+            <a:ext cx="13004800" cy="11557000"/>
+          </a:xfrm>
+          <a:prstGeom prst="rect">
+            <a:avLst/>
+          </a:prstGeom>
+          <a:ln w="12700">
+            <a:miter lim="400000"/>
+          </a:ln>
         </p:spPr>
       </p:pic>
-      <p:sp>
-        <p:nvSpPr>
-          <p:cNvPr id="236" name="Shape 236"/>
-          <p:cNvSpPr/>
-          <p:nvPr>
-            <p:ph type="title"/>
-          </p:nvPr>
-        </p:nvSpPr>
-        <p:spPr>
-          <a:prstGeom prst="rect">
-            <a:avLst/>
-          </a:prstGeom>
-        </p:spPr>
-        <p:txBody>
-          <a:bodyPr/>
-          <a:lstStyle>
-            <a:lvl1pPr>
-              <a:defRPr sz="9600"/>
-            </a:lvl1pPr>
-          </a:lstStyle>
-          <a:p>
-            <a:pPr/>
-            <a:r>
-              <a:t>Community</a:t>
-            </a:r>
-          </a:p>
-        </p:txBody>
-      </p:sp>
-      <p:sp>
-        <p:nvSpPr>
-          <p:cNvPr id="237" name="Shape 237"/>
-          <p:cNvSpPr/>
-          <p:nvPr>
-            <p:ph type="body" sz="quarter" idx="1"/>
-          </p:nvPr>
-        </p:nvSpPr>
-        <p:spPr>
-          <a:prstGeom prst="rect">
-            <a:avLst/>
-          </a:prstGeom>
-        </p:spPr>
-        <p:txBody>
-          <a:bodyPr/>
-          <a:lstStyle>
-            <a:lvl1pPr>
-              <a:defRPr sz="5300"/>
-            </a:lvl1pPr>
-          </a:lstStyle>
-          <a:p>
-            <a:pPr/>
-            <a:r>
-              <a:t>broad Open-Source</a:t>
-            </a:r>
-          </a:p>
-        </p:txBody>
-      </p:sp>
     </p:spTree>
   </p:cSld>
   <p:clrMapOvr>
@@ -9812,107 +10189,75 @@
       </p:grpSpPr>
       <p:sp>
         <p:nvSpPr>
+          <p:cNvPr id="238" name="Shape 238"/>
+          <p:cNvSpPr/>
+          <p:nvPr>
+            <p:ph type="title"/>
+          </p:nvPr>
+        </p:nvSpPr>
+        <p:spPr>
+          <a:prstGeom prst="rect">
+            <a:avLst/>
+          </a:prstGeom>
+        </p:spPr>
+        <p:txBody>
+          <a:bodyPr/>
+          <a:lstStyle/>
+          <a:p>
+            <a:pPr/>
+          </a:p>
+        </p:txBody>
+      </p:sp>
+      <p:sp>
+        <p:nvSpPr>
           <p:cNvPr id="239" name="Shape 239"/>
           <p:cNvSpPr/>
           <p:nvPr>
-            <p:ph type="title"/>
-          </p:nvPr>
-        </p:nvSpPr>
+            <p:ph type="body" idx="1"/>
+          </p:nvPr>
+        </p:nvSpPr>
+        <p:spPr>
+          <a:prstGeom prst="rect">
+            <a:avLst/>
+          </a:prstGeom>
+        </p:spPr>
+        <p:txBody>
+          <a:bodyPr/>
+          <a:lstStyle/>
+          <a:p>
+            <a:pPr/>
+          </a:p>
+        </p:txBody>
+      </p:sp>
+      <p:pic>
+        <p:nvPicPr>
+          <p:cNvPr id="240" name="pasted-image.jpeg"/>
+          <p:cNvPicPr>
+            <a:picLocks noChangeAspect="1"/>
+          </p:cNvPicPr>
+          <p:nvPr/>
+        </p:nvPicPr>
+        <p:blipFill>
+          <a:blip r:embed="rId2">
+            <a:extLst/>
+          </a:blip>
+          <a:stretch>
+            <a:fillRect/>
+          </a:stretch>
+        </p:blipFill>
         <p:spPr>
           <a:xfrm>
-            <a:off x="406400" y="1536700"/>
-            <a:ext cx="12192000" cy="1169261"/>
-          </a:xfrm>
-          <a:prstGeom prst="rect">
-            <a:avLst/>
-          </a:prstGeom>
-        </p:spPr>
-        <p:txBody>
-          <a:bodyPr/>
-          <a:lstStyle>
-            <a:lvl1pPr defTabSz="403097">
-              <a:spcBef>
-                <a:spcPts val="1900"/>
-              </a:spcBef>
-              <a:defRPr sz="8200"/>
-            </a:lvl1pPr>
-          </a:lstStyle>
-          <a:p>
-            <a:pPr/>
-            <a:r>
-              <a:t>Open Source</a:t>
-            </a:r>
-          </a:p>
-        </p:txBody>
-      </p:sp>
-      <p:sp>
-        <p:nvSpPr>
-          <p:cNvPr id="240" name="Shape 240"/>
-          <p:cNvSpPr/>
-          <p:nvPr>
-            <p:ph type="body" sz="half" idx="1"/>
-          </p:nvPr>
-        </p:nvSpPr>
-        <p:spPr>
-          <a:xfrm>
-            <a:off x="406400" y="4538100"/>
-            <a:ext cx="12192000" cy="2531601"/>
-          </a:xfrm>
-          <a:prstGeom prst="rect">
-            <a:avLst/>
-          </a:prstGeom>
-        </p:spPr>
-        <p:txBody>
-          <a:bodyPr anchor="t"/>
-          <a:lstStyle/>
-          <a:p>
-            <a:pPr marL="550656" indent="-550656" defTabSz="455674">
-              <a:lnSpc>
-                <a:spcPct val="100000"/>
-              </a:lnSpc>
-              <a:spcBef>
-                <a:spcPts val="2100"/>
-              </a:spcBef>
-              <a:buSzPct val="40000"/>
-              <a:buBlip>
-                <a:blip r:embed="rId2"/>
-              </a:buBlip>
-              <a:defRPr cap="none" spc="0" sz="4900">
-                <a:latin typeface="Avenir Next Medium"/>
-                <a:ea typeface="Avenir Next Medium"/>
-                <a:cs typeface="Avenir Next Medium"/>
-                <a:sym typeface="Avenir Next Medium"/>
-              </a:defRPr>
-            </a:pPr>
-            <a:r>
-              <a:t>Contributors all over the world</a:t>
-            </a:r>
-          </a:p>
-          <a:p>
-            <a:pPr marL="550656" indent="-550656" defTabSz="455674">
-              <a:lnSpc>
-                <a:spcPct val="100000"/>
-              </a:lnSpc>
-              <a:spcBef>
-                <a:spcPts val="2100"/>
-              </a:spcBef>
-              <a:buSzPct val="40000"/>
-              <a:buBlip>
-                <a:blip r:embed="rId2"/>
-              </a:buBlip>
-              <a:defRPr cap="none" spc="0" sz="4900">
-                <a:latin typeface="Avenir Next Medium"/>
-                <a:ea typeface="Avenir Next Medium"/>
-                <a:cs typeface="Avenir Next Medium"/>
-                <a:sym typeface="Avenir Next Medium"/>
-              </a:defRPr>
-            </a:pPr>
-            <a:r>
-              <a:t>Now faster than proprietary software!</a:t>
-            </a:r>
-          </a:p>
-        </p:txBody>
-      </p:sp>
+            <a:off x="993832" y="0"/>
+            <a:ext cx="11017136" cy="9753601"/>
+          </a:xfrm>
+          <a:prstGeom prst="rect">
+            <a:avLst/>
+          </a:prstGeom>
+          <a:ln w="12700">
+            <a:miter lim="400000"/>
+          </a:ln>
+        </p:spPr>
+      </p:pic>
     </p:spTree>
   </p:cSld>
   <p:clrMapOvr>
@@ -9939,35 +10284,109 @@
           <a:chExt cx="0" cy="0"/>
         </a:xfrm>
       </p:grpSpPr>
-      <p:pic>
-        <p:nvPicPr>
-          <p:cNvPr id="242" name="pasted-image.jpeg"/>
-          <p:cNvPicPr>
-            <a:picLocks noChangeAspect="1"/>
-          </p:cNvPicPr>
-          <p:nvPr/>
-        </p:nvPicPr>
-        <p:blipFill>
-          <a:blip r:embed="rId2">
-            <a:extLst/>
-          </a:blip>
-          <a:stretch>
-            <a:fillRect/>
-          </a:stretch>
-        </p:blipFill>
+      <p:sp>
+        <p:nvSpPr>
+          <p:cNvPr id="242" name="Shape 242"/>
+          <p:cNvSpPr/>
+          <p:nvPr>
+            <p:ph type="title"/>
+          </p:nvPr>
+        </p:nvSpPr>
         <p:spPr>
           <a:xfrm>
-            <a:off x="31023" y="14378"/>
-            <a:ext cx="12942754" cy="9724844"/>
-          </a:xfrm>
-          <a:prstGeom prst="rect">
-            <a:avLst/>
-          </a:prstGeom>
-          <a:ln w="12700">
-            <a:miter lim="400000"/>
-          </a:ln>
-        </p:spPr>
-      </p:pic>
+            <a:off x="406400" y="1536700"/>
+            <a:ext cx="12192000" cy="1169261"/>
+          </a:xfrm>
+          <a:prstGeom prst="rect">
+            <a:avLst/>
+          </a:prstGeom>
+        </p:spPr>
+        <p:txBody>
+          <a:bodyPr/>
+          <a:lstStyle>
+            <a:lvl1pPr defTabSz="403097">
+              <a:spcBef>
+                <a:spcPts val="1900"/>
+              </a:spcBef>
+              <a:defRPr sz="8200"/>
+            </a:lvl1pPr>
+          </a:lstStyle>
+          <a:p>
+            <a:pPr/>
+            <a:r>
+              <a:t>Short and Readable</a:t>
+            </a:r>
+          </a:p>
+        </p:txBody>
+      </p:sp>
+      <p:sp>
+        <p:nvSpPr>
+          <p:cNvPr id="243" name="Shape 243"/>
+          <p:cNvSpPr/>
+          <p:nvPr>
+            <p:ph type="body" sz="half" idx="1"/>
+          </p:nvPr>
+        </p:nvSpPr>
+        <p:spPr>
+          <a:xfrm>
+            <a:off x="406400" y="4538100"/>
+            <a:ext cx="12192000" cy="2531601"/>
+          </a:xfrm>
+          <a:prstGeom prst="rect">
+            <a:avLst/>
+          </a:prstGeom>
+        </p:spPr>
+        <p:txBody>
+          <a:bodyPr anchor="t"/>
+          <a:lstStyle/>
+          <a:p>
+            <a:pPr marL="550656" indent="-550656" defTabSz="455674">
+              <a:lnSpc>
+                <a:spcPct val="100000"/>
+              </a:lnSpc>
+              <a:spcBef>
+                <a:spcPts val="2100"/>
+              </a:spcBef>
+              <a:buSzPct val="40000"/>
+              <a:buBlip>
+                <a:blip r:embed="rId2"/>
+              </a:buBlip>
+              <a:defRPr cap="none" spc="0" sz="4900">
+                <a:latin typeface="Avenir Next Medium"/>
+                <a:ea typeface="Avenir Next Medium"/>
+                <a:cs typeface="Avenir Next Medium"/>
+                <a:sym typeface="Avenir Next Medium"/>
+              </a:defRPr>
+            </a:pPr>
+            <a:r>
+              <a:t>Human productivity &gt; computer speed</a:t>
+            </a:r>
+          </a:p>
+          <a:p>
+            <a:pPr marL="550656" indent="-550656" defTabSz="455674">
+              <a:lnSpc>
+                <a:spcPct val="100000"/>
+              </a:lnSpc>
+              <a:spcBef>
+                <a:spcPts val="2100"/>
+              </a:spcBef>
+              <a:buSzPct val="40000"/>
+              <a:buBlip>
+                <a:blip r:embed="rId2"/>
+              </a:buBlip>
+              <a:defRPr cap="none" spc="0" sz="4900">
+                <a:latin typeface="Avenir Next Medium"/>
+                <a:ea typeface="Avenir Next Medium"/>
+                <a:cs typeface="Avenir Next Medium"/>
+                <a:sym typeface="Avenir Next Medium"/>
+              </a:defRPr>
+            </a:pPr>
+            <a:r>
+              <a:t>We read code 10X more than we write it</a:t>
+            </a:r>
+          </a:p>
+        </p:txBody>
+      </p:sp>
     </p:spTree>
   </p:cSld>
   <p:clrMapOvr>
@@ -9994,19 +10413,40 @@
           <a:chExt cx="0" cy="0"/>
         </a:xfrm>
       </p:grpSpPr>
-      <p:sp>
-        <p:nvSpPr>
-          <p:cNvPr id="244" name="Shape 244"/>
+      <p:pic>
+        <p:nvPicPr>
+          <p:cNvPr id="245" name="image2.jpeg"/>
+          <p:cNvPicPr>
+            <a:picLocks noChangeAspect="1"/>
+          </p:cNvPicPr>
+          <p:nvPr>
+            <p:ph type="pic" idx="13"/>
+          </p:nvPr>
+        </p:nvPicPr>
+        <p:blipFill>
+          <a:blip r:embed="rId2">
+            <a:extLst/>
+          </a:blip>
+          <a:srcRect l="34046" t="0" r="34046" b="0"/>
+          <a:stretch>
+            <a:fillRect/>
+          </a:stretch>
+        </p:blipFill>
+        <p:spPr>
+          <a:prstGeom prst="rect">
+            <a:avLst/>
+          </a:prstGeom>
+        </p:spPr>
+      </p:pic>
+      <p:sp>
+        <p:nvSpPr>
+          <p:cNvPr id="246" name="Shape 246"/>
           <p:cNvSpPr/>
           <p:nvPr>
             <p:ph type="title"/>
           </p:nvPr>
         </p:nvSpPr>
         <p:spPr>
-          <a:xfrm>
-            <a:off x="406400" y="1536700"/>
-            <a:ext cx="12192000" cy="1169261"/>
-          </a:xfrm>
           <a:prstGeom prst="rect">
             <a:avLst/>
           </a:prstGeom>
@@ -10014,131 +10454,42 @@
         <p:txBody>
           <a:bodyPr/>
           <a:lstStyle>
-            <a:lvl1pPr defTabSz="403097">
-              <a:spcBef>
-                <a:spcPts val="1900"/>
-              </a:spcBef>
-              <a:defRPr sz="8200"/>
+            <a:lvl1pPr>
+              <a:defRPr sz="9600"/>
             </a:lvl1pPr>
           </a:lstStyle>
           <a:p>
             <a:pPr/>
             <a:r>
-              <a:t>Cross-pollination</a:t>
-            </a:r>
-          </a:p>
-        </p:txBody>
-      </p:sp>
-      <p:sp>
-        <p:nvSpPr>
-          <p:cNvPr id="245" name="Shape 245"/>
-          <p:cNvSpPr/>
-          <p:nvPr>
-            <p:ph type="body" idx="1"/>
-          </p:nvPr>
-        </p:nvSpPr>
-        <p:spPr>
-          <a:xfrm>
-            <a:off x="541866" y="3626003"/>
-            <a:ext cx="12192001" cy="5843457"/>
-          </a:xfrm>
-          <a:prstGeom prst="rect">
-            <a:avLst/>
-          </a:prstGeom>
-        </p:spPr>
-        <p:txBody>
-          <a:bodyPr anchor="t"/>
-          <a:lstStyle/>
-          <a:p>
-            <a:pPr marL="550656" indent="-550656" defTabSz="455674">
-              <a:lnSpc>
-                <a:spcPct val="100000"/>
-              </a:lnSpc>
-              <a:spcBef>
-                <a:spcPts val="2100"/>
-              </a:spcBef>
-              <a:buSzPct val="40000"/>
-              <a:buBlip>
-                <a:blip r:embed="rId2"/>
-              </a:buBlip>
-              <a:defRPr cap="none" spc="0" sz="4900">
-                <a:latin typeface="Avenir Next Medium"/>
-                <a:ea typeface="Avenir Next Medium"/>
-                <a:cs typeface="Avenir Next Medium"/>
-                <a:sym typeface="Avenir Next Medium"/>
-              </a:defRPr>
-            </a:pPr>
-            <a:r>
-              <a:t>Web development</a:t>
-            </a:r>
-          </a:p>
-          <a:p>
-            <a:pPr marL="550656" indent="-550656" defTabSz="455674">
-              <a:lnSpc>
-                <a:spcPct val="100000"/>
-              </a:lnSpc>
-              <a:spcBef>
-                <a:spcPts val="2100"/>
-              </a:spcBef>
-              <a:buSzPct val="40000"/>
-              <a:buBlip>
-                <a:blip r:embed="rId2"/>
-              </a:buBlip>
-              <a:defRPr cap="none" spc="0" sz="4900">
-                <a:latin typeface="Avenir Next Medium"/>
-                <a:ea typeface="Avenir Next Medium"/>
-                <a:cs typeface="Avenir Next Medium"/>
-                <a:sym typeface="Avenir Next Medium"/>
-              </a:defRPr>
-            </a:pPr>
-            <a:r>
-              <a:t>Data science</a:t>
-            </a:r>
-          </a:p>
-          <a:p>
-            <a:pPr marL="550656" indent="-550656" defTabSz="455674">
-              <a:lnSpc>
-                <a:spcPct val="100000"/>
-              </a:lnSpc>
-              <a:spcBef>
-                <a:spcPts val="2100"/>
-              </a:spcBef>
-              <a:buSzPct val="40000"/>
-              <a:buBlip>
-                <a:blip r:embed="rId2"/>
-              </a:buBlip>
-              <a:defRPr cap="none" spc="0" sz="4900">
-                <a:latin typeface="Avenir Next Medium"/>
-                <a:ea typeface="Avenir Next Medium"/>
-                <a:cs typeface="Avenir Next Medium"/>
-                <a:sym typeface="Avenir Next Medium"/>
-              </a:defRPr>
-            </a:pPr>
-            <a:r>
-              <a:t>Automation</a:t>
-            </a:r>
-          </a:p>
-          <a:p>
-            <a:pPr marL="550656" indent="-550656" defTabSz="455674">
-              <a:lnSpc>
-                <a:spcPct val="100000"/>
-              </a:lnSpc>
-              <a:spcBef>
-                <a:spcPts val="2100"/>
-              </a:spcBef>
-              <a:buSzPct val="40000"/>
-              <a:buBlip>
-                <a:blip r:embed="rId2"/>
-              </a:buBlip>
-              <a:defRPr cap="none" spc="0" sz="4900">
-                <a:latin typeface="Avenir Next Medium"/>
-                <a:ea typeface="Avenir Next Medium"/>
-                <a:cs typeface="Avenir Next Medium"/>
-                <a:sym typeface="Avenir Next Medium"/>
-              </a:defRPr>
-            </a:pPr>
-            <a:r>
-              <a:t>Information Security</a:t>
+              <a:t>Open Source</a:t>
+            </a:r>
+          </a:p>
+        </p:txBody>
+      </p:sp>
+      <p:sp>
+        <p:nvSpPr>
+          <p:cNvPr id="247" name="Shape 247"/>
+          <p:cNvSpPr/>
+          <p:nvPr>
+            <p:ph type="body" sz="quarter" idx="1"/>
+          </p:nvPr>
+        </p:nvSpPr>
+        <p:spPr>
+          <a:prstGeom prst="rect">
+            <a:avLst/>
+          </a:prstGeom>
+        </p:spPr>
+        <p:txBody>
+          <a:bodyPr/>
+          <a:lstStyle>
+            <a:lvl1pPr>
+              <a:defRPr sz="5300"/>
+            </a:lvl1pPr>
+          </a:lstStyle>
+          <a:p>
+            <a:pPr/>
+            <a:r>
+              <a:t>Broad community in</a:t>
             </a:r>
           </a:p>
         </p:txBody>
